--- a/よこありくんのプレゼン.pptx
+++ b/よこありくんのプレゼン.pptx
@@ -654,6 +654,90 @@
           <a:p>
             <a:fld id="{1939215B-7B04-4A9E-9AC2-62A29D898257}" type="slidenum">
               <a:rPr kumimoji="1" lang="ja-JP" altLang="en-US" smtClean="0"/>
+              <a:t>5</a:t>
+            </a:fld>
+            <a:endParaRPr kumimoji="1" lang="ja-JP" altLang="en-US"/>
+          </a:p>
+        </p:txBody>
+      </p:sp>
+    </p:spTree>
+    <p:extLst>
+      <p:ext uri="{BB962C8B-B14F-4D97-AF65-F5344CB8AC3E}">
+        <p14:creationId xmlns:p14="http://schemas.microsoft.com/office/powerpoint/2010/main" val="1543167974"/>
+      </p:ext>
+    </p:extLst>
+  </p:cSld>
+  <p:clrMapOvr>
+    <a:masterClrMapping/>
+  </p:clrMapOvr>
+</p:notes>
+</file>
+
+<file path=ppt/notesSlides/notesSlide3.xml><?xml version="1.0" encoding="utf-8"?>
+<p:notes xmlns:a="http://schemas.openxmlformats.org/drawingml/2006/main" xmlns:r="http://schemas.openxmlformats.org/officeDocument/2006/relationships" xmlns:p="http://schemas.openxmlformats.org/presentationml/2006/main">
+  <p:cSld>
+    <p:spTree>
+      <p:nvGrpSpPr>
+        <p:cNvPr id="1" name=""/>
+        <p:cNvGrpSpPr/>
+        <p:nvPr/>
+      </p:nvGrpSpPr>
+      <p:grpSpPr>
+        <a:xfrm>
+          <a:off x="0" y="0"/>
+          <a:ext cx="0" cy="0"/>
+          <a:chOff x="0" y="0"/>
+          <a:chExt cx="0" cy="0"/>
+        </a:xfrm>
+      </p:grpSpPr>
+      <p:sp>
+        <p:nvSpPr>
+          <p:cNvPr id="2" name="スライド イメージ プレースホルダー 1"/>
+          <p:cNvSpPr>
+            <a:spLocks noGrp="1" noRot="1" noChangeAspect="1"/>
+          </p:cNvSpPr>
+          <p:nvPr>
+            <p:ph type="sldImg"/>
+          </p:nvPr>
+        </p:nvSpPr>
+        <p:spPr/>
+      </p:sp>
+      <p:sp>
+        <p:nvSpPr>
+          <p:cNvPr id="3" name="ノート プレースホルダー 2"/>
+          <p:cNvSpPr>
+            <a:spLocks noGrp="1"/>
+          </p:cNvSpPr>
+          <p:nvPr>
+            <p:ph type="body" idx="1"/>
+          </p:nvPr>
+        </p:nvSpPr>
+        <p:spPr/>
+        <p:txBody>
+          <a:bodyPr/>
+          <a:lstStyle/>
+          <a:p>
+            <a:endParaRPr kumimoji="1" lang="ja-JP" altLang="en-US" dirty="0"/>
+          </a:p>
+        </p:txBody>
+      </p:sp>
+      <p:sp>
+        <p:nvSpPr>
+          <p:cNvPr id="4" name="スライド番号プレースホルダー 3"/>
+          <p:cNvSpPr>
+            <a:spLocks noGrp="1"/>
+          </p:cNvSpPr>
+          <p:nvPr>
+            <p:ph type="sldNum" sz="quarter" idx="10"/>
+          </p:nvPr>
+        </p:nvSpPr>
+        <p:spPr/>
+        <p:txBody>
+          <a:bodyPr/>
+          <a:lstStyle/>
+          <a:p>
+            <a:fld id="{1939215B-7B04-4A9E-9AC2-62A29D898257}" type="slidenum">
+              <a:rPr kumimoji="1" lang="ja-JP" altLang="en-US" smtClean="0"/>
               <a:t>6</a:t>
             </a:fld>
             <a:endParaRPr kumimoji="1" lang="ja-JP" altLang="en-US"/>
@@ -664,6 +748,90 @@
     <p:extLst>
       <p:ext uri="{BB962C8B-B14F-4D97-AF65-F5344CB8AC3E}">
         <p14:creationId xmlns:p14="http://schemas.microsoft.com/office/powerpoint/2010/main" val="310784012"/>
+      </p:ext>
+    </p:extLst>
+  </p:cSld>
+  <p:clrMapOvr>
+    <a:masterClrMapping/>
+  </p:clrMapOvr>
+</p:notes>
+</file>
+
+<file path=ppt/notesSlides/notesSlide4.xml><?xml version="1.0" encoding="utf-8"?>
+<p:notes xmlns:a="http://schemas.openxmlformats.org/drawingml/2006/main" xmlns:r="http://schemas.openxmlformats.org/officeDocument/2006/relationships" xmlns:p="http://schemas.openxmlformats.org/presentationml/2006/main">
+  <p:cSld>
+    <p:spTree>
+      <p:nvGrpSpPr>
+        <p:cNvPr id="1" name=""/>
+        <p:cNvGrpSpPr/>
+        <p:nvPr/>
+      </p:nvGrpSpPr>
+      <p:grpSpPr>
+        <a:xfrm>
+          <a:off x="0" y="0"/>
+          <a:ext cx="0" cy="0"/>
+          <a:chOff x="0" y="0"/>
+          <a:chExt cx="0" cy="0"/>
+        </a:xfrm>
+      </p:grpSpPr>
+      <p:sp>
+        <p:nvSpPr>
+          <p:cNvPr id="2" name="スライド イメージ プレースホルダー 1"/>
+          <p:cNvSpPr>
+            <a:spLocks noGrp="1" noRot="1" noChangeAspect="1"/>
+          </p:cNvSpPr>
+          <p:nvPr>
+            <p:ph type="sldImg"/>
+          </p:nvPr>
+        </p:nvSpPr>
+        <p:spPr/>
+      </p:sp>
+      <p:sp>
+        <p:nvSpPr>
+          <p:cNvPr id="3" name="ノート プレースホルダー 2"/>
+          <p:cNvSpPr>
+            <a:spLocks noGrp="1"/>
+          </p:cNvSpPr>
+          <p:nvPr>
+            <p:ph type="body" idx="1"/>
+          </p:nvPr>
+        </p:nvSpPr>
+        <p:spPr/>
+        <p:txBody>
+          <a:bodyPr/>
+          <a:lstStyle/>
+          <a:p>
+            <a:endParaRPr kumimoji="1" lang="ja-JP" altLang="en-US" dirty="0"/>
+          </a:p>
+        </p:txBody>
+      </p:sp>
+      <p:sp>
+        <p:nvSpPr>
+          <p:cNvPr id="4" name="スライド番号プレースホルダー 3"/>
+          <p:cNvSpPr>
+            <a:spLocks noGrp="1"/>
+          </p:cNvSpPr>
+          <p:nvPr>
+            <p:ph type="sldNum" sz="quarter" idx="10"/>
+          </p:nvPr>
+        </p:nvSpPr>
+        <p:spPr/>
+        <p:txBody>
+          <a:bodyPr/>
+          <a:lstStyle/>
+          <a:p>
+            <a:fld id="{1939215B-7B04-4A9E-9AC2-62A29D898257}" type="slidenum">
+              <a:rPr kumimoji="1" lang="ja-JP" altLang="en-US" smtClean="0"/>
+              <a:t>7</a:t>
+            </a:fld>
+            <a:endParaRPr kumimoji="1" lang="ja-JP" altLang="en-US"/>
+          </a:p>
+        </p:txBody>
+      </p:sp>
+    </p:spTree>
+    <p:extLst>
+      <p:ext uri="{BB962C8B-B14F-4D97-AF65-F5344CB8AC3E}">
+        <p14:creationId xmlns:p14="http://schemas.microsoft.com/office/powerpoint/2010/main" val="3787834904"/>
       </p:ext>
     </p:extLst>
   </p:cSld>
@@ -4116,7 +4284,7 @@
         </p:nvSpPr>
         <p:spPr>
           <a:xfrm>
-            <a:off x="104333" y="340016"/>
+            <a:off x="104333" y="369833"/>
             <a:ext cx="11843157" cy="6203496"/>
           </a:xfrm>
           <a:prstGeom prst="rect">
@@ -4180,22 +4348,22 @@
           <a:lstStyle/>
           <a:p>
             <a:r>
-              <a:rPr lang="ja-JP" altLang="en-US" dirty="0" smtClean="0">
-                <a:latin typeface="ふんわりラウンド" panose="02000700000000000000" pitchFamily="50" charset="-128"/>
-                <a:ea typeface="ふんわりラウンド" panose="02000700000000000000" pitchFamily="50" charset="-128"/>
+              <a:rPr lang="ja-JP" altLang="en-US" b="1" dirty="0" smtClean="0">
+                <a:latin typeface="HGS創英角ﾎﾟｯﾌﾟ体" panose="040B0A00000000000000" pitchFamily="50" charset="-128"/>
+                <a:ea typeface="HGS創英角ﾎﾟｯﾌﾟ体" panose="040B0A00000000000000" pitchFamily="50" charset="-128"/>
               </a:rPr>
               <a:t>もく</a:t>
             </a:r>
             <a:r>
-              <a:rPr lang="ja-JP" altLang="en-US" dirty="0">
-                <a:latin typeface="ふんわりラウンド" panose="02000700000000000000" pitchFamily="50" charset="-128"/>
-                <a:ea typeface="ふんわりラウンド" panose="02000700000000000000" pitchFamily="50" charset="-128"/>
+              <a:rPr lang="ja-JP" altLang="en-US" b="1" dirty="0">
+                <a:latin typeface="HGS創英角ﾎﾟｯﾌﾟ体" panose="040B0A00000000000000" pitchFamily="50" charset="-128"/>
+                <a:ea typeface="HGS創英角ﾎﾟｯﾌﾟ体" panose="040B0A00000000000000" pitchFamily="50" charset="-128"/>
               </a:rPr>
               <a:t>じ</a:t>
             </a:r>
-            <a:endParaRPr kumimoji="1" lang="ja-JP" altLang="en-US" dirty="0">
-              <a:latin typeface="ふんわりラウンド" panose="02000700000000000000" pitchFamily="50" charset="-128"/>
-              <a:ea typeface="ふんわりラウンド" panose="02000700000000000000" pitchFamily="50" charset="-128"/>
+            <a:endParaRPr kumimoji="1" lang="ja-JP" altLang="en-US" b="1" dirty="0">
+              <a:latin typeface="HGS創英角ﾎﾟｯﾌﾟ体" panose="040B0A00000000000000" pitchFamily="50" charset="-128"/>
+              <a:ea typeface="HGS創英角ﾎﾟｯﾌﾟ体" panose="040B0A00000000000000" pitchFamily="50" charset="-128"/>
             </a:endParaRPr>
           </a:p>
         </p:txBody>
@@ -4309,15 +4477,15 @@
           <a:lstStyle/>
           <a:p>
             <a:r>
-              <a:rPr lang="ja-JP" altLang="en-US" dirty="0" smtClean="0">
-                <a:latin typeface="ふんわりラウンド" panose="02000700000000000000" pitchFamily="50" charset="-128"/>
-                <a:ea typeface="ふんわりラウンド" panose="02000700000000000000" pitchFamily="50" charset="-128"/>
+              <a:rPr kumimoji="1" lang="ja-JP" altLang="en-US" b="1" dirty="0" smtClean="0">
+                <a:latin typeface="HGS創英角ﾎﾟｯﾌﾟ体" panose="040B0A00000000000000" pitchFamily="50" charset="-128"/>
+                <a:ea typeface="HGS創英角ﾎﾟｯﾌﾟ体" panose="040B0A00000000000000" pitchFamily="50" charset="-128"/>
               </a:rPr>
-              <a:t>ゲームしょうかい</a:t>
-            </a:r>
-            <a:endParaRPr kumimoji="1" lang="ja-JP" altLang="en-US" dirty="0">
-              <a:latin typeface="ふんわりラウンド" panose="02000700000000000000" pitchFamily="50" charset="-128"/>
-              <a:ea typeface="ふんわりラウンド" panose="02000700000000000000" pitchFamily="50" charset="-128"/>
+              <a:t>ゲーム紹介</a:t>
+            </a:r>
+            <a:endParaRPr kumimoji="1" lang="ja-JP" altLang="en-US" b="1" dirty="0">
+              <a:latin typeface="HGS創英角ﾎﾟｯﾌﾟ体" panose="040B0A00000000000000" pitchFamily="50" charset="-128"/>
+              <a:ea typeface="HGS創英角ﾎﾟｯﾌﾟ体" panose="040B0A00000000000000" pitchFamily="50" charset="-128"/>
             </a:endParaRPr>
           </a:p>
         </p:txBody>
@@ -4330,7 +4498,7 @@
         </p:nvSpPr>
         <p:spPr>
           <a:xfrm>
-            <a:off x="1862044" y="2409338"/>
+            <a:off x="2085328" y="2152527"/>
             <a:ext cx="8119068" cy="1077218"/>
           </a:xfrm>
           <a:prstGeom prst="rect">
@@ -4346,62 +4514,55 @@
           <a:p>
             <a:r>
               <a:rPr kumimoji="1" lang="ja-JP" altLang="en-US" sz="3200" dirty="0" smtClean="0">
-                <a:latin typeface="ふんわりラウンド" panose="02000700000000000000" pitchFamily="50" charset="-128"/>
-                <a:ea typeface="ふんわりラウンド" panose="02000700000000000000" pitchFamily="50" charset="-128"/>
+                <a:latin typeface="HGS創英角ﾎﾟｯﾌﾟ体" panose="040B0A00000000000000" pitchFamily="50" charset="-128"/>
+                <a:ea typeface="HGS創英角ﾎﾟｯﾌﾟ体" panose="040B0A00000000000000" pitchFamily="50" charset="-128"/>
               </a:rPr>
-              <a:t>ヨコアリ</a:t>
-            </a:r>
-            <a:r>
-              <a:rPr kumimoji="1" lang="ja-JP" altLang="en-US" sz="3200" dirty="0" smtClean="0">
-                <a:latin typeface="ふんわりラウンド" panose="02000700000000000000" pitchFamily="50" charset="-128"/>
-                <a:ea typeface="ふんわりラウンド" panose="02000700000000000000" pitchFamily="50" charset="-128"/>
-              </a:rPr>
-              <a:t>くんを</a:t>
+              <a:t>ヨコアリくんを</a:t>
             </a:r>
             <a:r>
               <a:rPr lang="ja-JP" altLang="en-US" sz="3200" dirty="0" smtClean="0">
-                <a:latin typeface="ふんわりラウンド" panose="02000700000000000000" pitchFamily="50" charset="-128"/>
-                <a:ea typeface="ふんわりラウンド" panose="02000700000000000000" pitchFamily="50" charset="-128"/>
+                <a:latin typeface="HGS創英角ﾎﾟｯﾌﾟ体" panose="040B0A00000000000000" pitchFamily="50" charset="-128"/>
+                <a:ea typeface="HGS創英角ﾎﾟｯﾌﾟ体" panose="040B0A00000000000000" pitchFamily="50" charset="-128"/>
               </a:rPr>
               <a:t>さ</a:t>
             </a:r>
             <a:r>
               <a:rPr lang="ja-JP" altLang="en-US" sz="3200" dirty="0">
-                <a:latin typeface="ふんわりラウンド" panose="02000700000000000000" pitchFamily="50" charset="-128"/>
-                <a:ea typeface="ふんわりラウンド" panose="02000700000000000000" pitchFamily="50" charset="-128"/>
+                <a:latin typeface="HGS創英角ﾎﾟｯﾌﾟ体" panose="040B0A00000000000000" pitchFamily="50" charset="-128"/>
+                <a:ea typeface="HGS創英角ﾎﾟｯﾌﾟ体" panose="040B0A00000000000000" pitchFamily="50" charset="-128"/>
               </a:rPr>
               <a:t>が</a:t>
             </a:r>
             <a:r>
               <a:rPr kumimoji="1" lang="ja-JP" altLang="en-US" sz="3200" dirty="0" smtClean="0">
-                <a:latin typeface="ふんわりラウンド" panose="02000700000000000000" pitchFamily="50" charset="-128"/>
-                <a:ea typeface="ふんわりラウンド" panose="02000700000000000000" pitchFamily="50" charset="-128"/>
+                <a:latin typeface="HGS創英角ﾎﾟｯﾌﾟ体" panose="040B0A00000000000000" pitchFamily="50" charset="-128"/>
+                <a:ea typeface="HGS創英角ﾎﾟｯﾌﾟ体" panose="040B0A00000000000000" pitchFamily="50" charset="-128"/>
               </a:rPr>
               <a:t>すゲームです！</a:t>
             </a:r>
             <a:endParaRPr kumimoji="1" lang="en-US" altLang="ja-JP" sz="3200" dirty="0" smtClean="0">
-              <a:latin typeface="ふんわりラウンド" panose="02000700000000000000" pitchFamily="50" charset="-128"/>
-              <a:ea typeface="ふんわりラウンド" panose="02000700000000000000" pitchFamily="50" charset="-128"/>
+              <a:latin typeface="HGS創英角ﾎﾟｯﾌﾟ体" panose="040B0A00000000000000" pitchFamily="50" charset="-128"/>
+              <a:ea typeface="HGS創英角ﾎﾟｯﾌﾟ体" panose="040B0A00000000000000" pitchFamily="50" charset="-128"/>
             </a:endParaRPr>
           </a:p>
           <a:p>
             <a:r>
               <a:rPr lang="ja-JP" altLang="en-US" sz="3200" dirty="0">
-                <a:latin typeface="ふんわりラウンド" panose="02000700000000000000" pitchFamily="50" charset="-128"/>
-                <a:ea typeface="ふんわりラウンド" panose="02000700000000000000" pitchFamily="50" charset="-128"/>
+                <a:latin typeface="HGS創英角ﾎﾟｯﾌﾟ体" panose="040B0A00000000000000" pitchFamily="50" charset="-128"/>
+                <a:ea typeface="HGS創英角ﾎﾟｯﾌﾟ体" panose="040B0A00000000000000" pitchFamily="50" charset="-128"/>
               </a:rPr>
               <a:t>　</a:t>
             </a:r>
             <a:r>
               <a:rPr lang="ja-JP" altLang="en-US" sz="3200" dirty="0" smtClean="0">
-                <a:latin typeface="ふんわりラウンド" panose="02000700000000000000" pitchFamily="50" charset="-128"/>
-                <a:ea typeface="ふんわりラウンド" panose="02000700000000000000" pitchFamily="50" charset="-128"/>
+                <a:latin typeface="HGS創英角ﾎﾟｯﾌﾟ体" panose="040B0A00000000000000" pitchFamily="50" charset="-128"/>
+                <a:ea typeface="HGS創英角ﾎﾟｯﾌﾟ体" panose="040B0A00000000000000" pitchFamily="50" charset="-128"/>
               </a:rPr>
               <a:t>モチーフは「ウォーリーをさがせ」です</a:t>
             </a:r>
             <a:endParaRPr lang="en-US" altLang="ja-JP" sz="3200" dirty="0" smtClean="0">
-              <a:latin typeface="ふんわりラウンド" panose="02000700000000000000" pitchFamily="50" charset="-128"/>
-              <a:ea typeface="ふんわりラウンド" panose="02000700000000000000" pitchFamily="50" charset="-128"/>
+              <a:latin typeface="HGS創英角ﾎﾟｯﾌﾟ体" panose="040B0A00000000000000" pitchFamily="50" charset="-128"/>
+              <a:ea typeface="HGS創英角ﾎﾟｯﾌﾟ体" panose="040B0A00000000000000" pitchFamily="50" charset="-128"/>
             </a:endParaRPr>
           </a:p>
         </p:txBody>
@@ -4428,7 +4589,7 @@
         </p:blipFill>
         <p:spPr>
           <a:xfrm>
-            <a:off x="5368519" y="3590960"/>
+            <a:off x="5496423" y="3322968"/>
             <a:ext cx="3201544" cy="1786988"/>
           </a:xfrm>
           <a:prstGeom prst="rect">
@@ -4458,7 +4619,7 @@
         </p:blipFill>
         <p:spPr>
           <a:xfrm>
-            <a:off x="7836439" y="4144848"/>
+            <a:off x="7836439" y="4039874"/>
             <a:ext cx="3201544" cy="1797448"/>
           </a:xfrm>
           <a:prstGeom prst="rect">
@@ -4575,15 +4736,22 @@
           <a:lstStyle/>
           <a:p>
             <a:r>
-              <a:rPr kumimoji="1" lang="ja-JP" altLang="en-US" dirty="0" smtClean="0">
-                <a:latin typeface="ふんわりラウンド" panose="02000700000000000000" pitchFamily="50" charset="-128"/>
-                <a:ea typeface="ふんわりラウンド" panose="02000700000000000000" pitchFamily="50" charset="-128"/>
+              <a:rPr kumimoji="1" lang="ja-JP" altLang="en-US" b="1" dirty="0" smtClean="0">
+                <a:latin typeface="HGS創英角ﾎﾟｯﾌﾟ体" panose="040B0A00000000000000" pitchFamily="50" charset="-128"/>
+                <a:ea typeface="HGS創英角ﾎﾟｯﾌﾟ体" panose="040B0A00000000000000" pitchFamily="50" charset="-128"/>
               </a:rPr>
-              <a:t>ゲームしょうかい</a:t>
-            </a:r>
-            <a:endParaRPr kumimoji="1" lang="ja-JP" altLang="en-US" dirty="0">
-              <a:latin typeface="ふんわりラウンド" panose="02000700000000000000" pitchFamily="50" charset="-128"/>
-              <a:ea typeface="ふんわりラウンド" panose="02000700000000000000" pitchFamily="50" charset="-128"/>
+              <a:t>ゲーム</a:t>
+            </a:r>
+            <a:r>
+              <a:rPr lang="ja-JP" altLang="en-US" b="1" dirty="0" smtClean="0">
+                <a:latin typeface="HGS創英角ﾎﾟｯﾌﾟ体" panose="040B0A00000000000000" pitchFamily="50" charset="-128"/>
+                <a:ea typeface="HGS創英角ﾎﾟｯﾌﾟ体" panose="040B0A00000000000000" pitchFamily="50" charset="-128"/>
+              </a:rPr>
+              <a:t>紹介</a:t>
+            </a:r>
+            <a:endParaRPr kumimoji="1" lang="ja-JP" altLang="en-US" b="1" dirty="0">
+              <a:latin typeface="HGS創英角ﾎﾟｯﾌﾟ体" panose="040B0A00000000000000" pitchFamily="50" charset="-128"/>
+              <a:ea typeface="HGS創英角ﾎﾟｯﾌﾟ体" panose="040B0A00000000000000" pitchFamily="50" charset="-128"/>
             </a:endParaRPr>
           </a:p>
         </p:txBody>
@@ -4677,7 +4845,7 @@
         </p:nvSpPr>
         <p:spPr>
           <a:xfrm>
-            <a:off x="154324" y="279727"/>
+            <a:off x="204020" y="279727"/>
             <a:ext cx="11843157" cy="6203496"/>
           </a:xfrm>
           <a:prstGeom prst="rect">
@@ -4741,15 +4909,15 @@
           <a:lstStyle/>
           <a:p>
             <a:r>
-              <a:rPr kumimoji="1" lang="ja-JP" altLang="en-US" dirty="0" smtClean="0">
-                <a:latin typeface="ふんわりラウンド" panose="02000700000000000000" pitchFamily="50" charset="-128"/>
-                <a:ea typeface="ふんわりラウンド" panose="02000700000000000000" pitchFamily="50" charset="-128"/>
+              <a:rPr kumimoji="1" lang="ja-JP" altLang="en-US" b="1" dirty="0" smtClean="0">
+                <a:latin typeface="HGS創英角ﾎﾟｯﾌﾟ体" panose="040B0A00000000000000" pitchFamily="50" charset="-128"/>
+                <a:ea typeface="HGS創英角ﾎﾟｯﾌﾟ体" panose="040B0A00000000000000" pitchFamily="50" charset="-128"/>
               </a:rPr>
               <a:t>ターゲットユーザー</a:t>
             </a:r>
-            <a:endParaRPr kumimoji="1" lang="ja-JP" altLang="en-US" dirty="0">
-              <a:latin typeface="ふんわりラウンド" panose="02000700000000000000" pitchFamily="50" charset="-128"/>
-              <a:ea typeface="ふんわりラウンド" panose="02000700000000000000" pitchFamily="50" charset="-128"/>
+            <a:endParaRPr kumimoji="1" lang="ja-JP" altLang="en-US" b="1" dirty="0">
+              <a:latin typeface="HGS創英角ﾎﾟｯﾌﾟ体" panose="040B0A00000000000000" pitchFamily="50" charset="-128"/>
+              <a:ea typeface="HGS創英角ﾎﾟｯﾌﾟ体" panose="040B0A00000000000000" pitchFamily="50" charset="-128"/>
             </a:endParaRPr>
           </a:p>
         </p:txBody>
@@ -4762,8 +4930,8 @@
         </p:nvSpPr>
         <p:spPr>
           <a:xfrm>
-            <a:off x="2421652" y="2735144"/>
-            <a:ext cx="8119068" cy="923330"/>
+            <a:off x="1984330" y="2395447"/>
+            <a:ext cx="8869200" cy="584775"/>
           </a:xfrm>
           <a:prstGeom prst="rect">
             <a:avLst/>
@@ -4777,28 +4945,159 @@
           <a:lstStyle/>
           <a:p>
             <a:r>
-              <a:rPr lang="ja-JP" altLang="en-US" dirty="0" smtClean="0"/>
-              <a:t>妖怪ウォッチの好きな年齢層の子供たち</a:t>
-            </a:r>
-            <a:endParaRPr lang="en-US" altLang="ja-JP" dirty="0" smtClean="0"/>
-          </a:p>
-          <a:p>
-            <a:endParaRPr lang="en-US" altLang="ja-JP" dirty="0"/>
-          </a:p>
-          <a:p>
-            <a:r>
-              <a:rPr lang="ja-JP" altLang="en-US" dirty="0" smtClean="0"/>
-              <a:t>何故か　</a:t>
-            </a:r>
-            <a:r>
-              <a:rPr lang="ja-JP" altLang="en-US" dirty="0" err="1" smtClean="0"/>
-              <a:t>ー</a:t>
-            </a:r>
-            <a:r>
-              <a:rPr lang="ja-JP" altLang="en-US" dirty="0" smtClean="0"/>
-              <a:t>＞　イベントが同時に開催されるため</a:t>
-            </a:r>
-            <a:endParaRPr lang="en-US" altLang="ja-JP" dirty="0" smtClean="0"/>
+              <a:rPr lang="ja-JP" altLang="en-US" sz="3200" dirty="0" smtClean="0">
+                <a:latin typeface="HGS創英角ﾎﾟｯﾌﾟ体" panose="040B0A00000000000000" pitchFamily="50" charset="-128"/>
+                <a:ea typeface="HGS創英角ﾎﾟｯﾌﾟ体" panose="040B0A00000000000000" pitchFamily="50" charset="-128"/>
+              </a:rPr>
+              <a:t>妖怪ウォッチの好きな年齢層の子供</a:t>
+            </a:r>
+            <a:r>
+              <a:rPr lang="ja-JP" altLang="en-US" sz="3200" dirty="0" smtClean="0">
+                <a:latin typeface="HGS創英角ﾎﾟｯﾌﾟ体" panose="040B0A00000000000000" pitchFamily="50" charset="-128"/>
+                <a:ea typeface="HGS創英角ﾎﾟｯﾌﾟ体" panose="040B0A00000000000000" pitchFamily="50" charset="-128"/>
+              </a:rPr>
+              <a:t>たち</a:t>
+            </a:r>
+            <a:endParaRPr lang="en-US" altLang="ja-JP" sz="3200" dirty="0" smtClean="0">
+              <a:latin typeface="HGS創英角ﾎﾟｯﾌﾟ体" panose="040B0A00000000000000" pitchFamily="50" charset="-128"/>
+              <a:ea typeface="HGS創英角ﾎﾟｯﾌﾟ体" panose="040B0A00000000000000" pitchFamily="50" charset="-128"/>
+            </a:endParaRPr>
+          </a:p>
+        </p:txBody>
+      </p:sp>
+      <p:sp>
+        <p:nvSpPr>
+          <p:cNvPr id="2" name="右矢印 1"/>
+          <p:cNvSpPr/>
+          <p:nvPr/>
+        </p:nvSpPr>
+        <p:spPr>
+          <a:xfrm>
+            <a:off x="3866319" y="3603953"/>
+            <a:ext cx="457200" cy="467140"/>
+          </a:xfrm>
+          <a:prstGeom prst="rightArrow">
+            <a:avLst/>
+          </a:prstGeom>
+          <a:solidFill>
+            <a:srgbClr val="FF0000"/>
+          </a:solidFill>
+        </p:spPr>
+        <p:style>
+          <a:lnRef idx="2">
+            <a:schemeClr val="accent2">
+              <a:shade val="50000"/>
+            </a:schemeClr>
+          </a:lnRef>
+          <a:fillRef idx="1">
+            <a:schemeClr val="accent2"/>
+          </a:fillRef>
+          <a:effectRef idx="0">
+            <a:schemeClr val="accent2"/>
+          </a:effectRef>
+          <a:fontRef idx="minor">
+            <a:schemeClr val="lt1"/>
+          </a:fontRef>
+        </p:style>
+        <p:txBody>
+          <a:bodyPr rtlCol="0" anchor="ctr"/>
+          <a:lstStyle/>
+          <a:p>
+            <a:pPr algn="ctr"/>
+            <a:endParaRPr kumimoji="1" lang="ja-JP" altLang="en-US"/>
+          </a:p>
+        </p:txBody>
+      </p:sp>
+      <p:sp>
+        <p:nvSpPr>
+          <p:cNvPr id="7" name="テキスト ボックス 6"/>
+          <p:cNvSpPr txBox="1"/>
+          <p:nvPr/>
+        </p:nvSpPr>
+        <p:spPr>
+          <a:xfrm>
+            <a:off x="2395147" y="3545136"/>
+            <a:ext cx="1500991" cy="584775"/>
+          </a:xfrm>
+          <a:prstGeom prst="rect">
+            <a:avLst/>
+          </a:prstGeom>
+          <a:noFill/>
+        </p:spPr>
+        <p:txBody>
+          <a:bodyPr wrap="square" rtlCol="0">
+            <a:spAutoFit/>
+          </a:bodyPr>
+          <a:lstStyle/>
+          <a:p>
+            <a:r>
+              <a:rPr lang="ja-JP" altLang="en-US" sz="3200" dirty="0" smtClean="0">
+                <a:latin typeface="HGS創英角ﾎﾟｯﾌﾟ体" panose="040B0A00000000000000" pitchFamily="50" charset="-128"/>
+                <a:ea typeface="HGS創英角ﾎﾟｯﾌﾟ体" panose="040B0A00000000000000" pitchFamily="50" charset="-128"/>
+              </a:rPr>
+              <a:t>何</a:t>
+            </a:r>
+            <a:r>
+              <a:rPr lang="ja-JP" altLang="en-US" sz="3200" dirty="0" smtClean="0">
+                <a:latin typeface="HGS創英角ﾎﾟｯﾌﾟ体" panose="040B0A00000000000000" pitchFamily="50" charset="-128"/>
+                <a:ea typeface="HGS創英角ﾎﾟｯﾌﾟ体" panose="040B0A00000000000000" pitchFamily="50" charset="-128"/>
+              </a:rPr>
+              <a:t>故</a:t>
+            </a:r>
+            <a:r>
+              <a:rPr lang="ja-JP" altLang="en-US" sz="3200" dirty="0" smtClean="0">
+                <a:latin typeface="HGS創英角ﾎﾟｯﾌﾟ体" panose="040B0A00000000000000" pitchFamily="50" charset="-128"/>
+                <a:ea typeface="HGS創英角ﾎﾟｯﾌﾟ体" panose="040B0A00000000000000" pitchFamily="50" charset="-128"/>
+              </a:rPr>
+              <a:t>か</a:t>
+            </a:r>
+            <a:endParaRPr lang="en-US" altLang="ja-JP" sz="3200" dirty="0" smtClean="0">
+              <a:latin typeface="HGS創英角ﾎﾟｯﾌﾟ体" panose="040B0A00000000000000" pitchFamily="50" charset="-128"/>
+              <a:ea typeface="HGS創英角ﾎﾟｯﾌﾟ体" panose="040B0A00000000000000" pitchFamily="50" charset="-128"/>
+            </a:endParaRPr>
+          </a:p>
+        </p:txBody>
+      </p:sp>
+      <p:sp>
+        <p:nvSpPr>
+          <p:cNvPr id="8" name="テキスト ボックス 7"/>
+          <p:cNvSpPr txBox="1"/>
+          <p:nvPr/>
+        </p:nvSpPr>
+        <p:spPr>
+          <a:xfrm>
+            <a:off x="4452548" y="3509799"/>
+            <a:ext cx="8869200" cy="584775"/>
+          </a:xfrm>
+          <a:prstGeom prst="rect">
+            <a:avLst/>
+          </a:prstGeom>
+          <a:noFill/>
+        </p:spPr>
+        <p:txBody>
+          <a:bodyPr wrap="square" rtlCol="0">
+            <a:spAutoFit/>
+          </a:bodyPr>
+          <a:lstStyle/>
+          <a:p>
+            <a:r>
+              <a:rPr lang="ja-JP" altLang="en-US" sz="3200" dirty="0" smtClean="0">
+                <a:latin typeface="HGS創英角ﾎﾟｯﾌﾟ体" panose="040B0A00000000000000" pitchFamily="50" charset="-128"/>
+                <a:ea typeface="HGS創英角ﾎﾟｯﾌﾟ体" panose="040B0A00000000000000" pitchFamily="50" charset="-128"/>
+              </a:rPr>
+              <a:t>イベント</a:t>
+            </a:r>
+            <a:r>
+              <a:rPr lang="ja-JP" altLang="en-US" sz="3200" dirty="0" smtClean="0">
+                <a:latin typeface="HGS創英角ﾎﾟｯﾌﾟ体" panose="040B0A00000000000000" pitchFamily="50" charset="-128"/>
+                <a:ea typeface="HGS創英角ﾎﾟｯﾌﾟ体" panose="040B0A00000000000000" pitchFamily="50" charset="-128"/>
+              </a:rPr>
+              <a:t>が同時に開催されるため</a:t>
+            </a:r>
+            <a:endParaRPr lang="en-US" altLang="ja-JP" sz="3200" dirty="0" smtClean="0">
+              <a:latin typeface="HGS創英角ﾎﾟｯﾌﾟ体" panose="040B0A00000000000000" pitchFamily="50" charset="-128"/>
+              <a:ea typeface="HGS創英角ﾎﾟｯﾌﾟ体" panose="040B0A00000000000000" pitchFamily="50" charset="-128"/>
+            </a:endParaRPr>
           </a:p>
         </p:txBody>
       </p:sp>
@@ -4911,15 +5210,22 @@
           <a:lstStyle/>
           <a:p>
             <a:r>
-              <a:rPr lang="ja-JP" altLang="en-US" dirty="0" smtClean="0">
-                <a:latin typeface="ふんわりラウンド" panose="02000700000000000000" pitchFamily="50" charset="-128"/>
-                <a:ea typeface="ふんわりラウンド" panose="02000700000000000000" pitchFamily="50" charset="-128"/>
+              <a:rPr lang="ja-JP" altLang="en-US" b="1" dirty="0">
+                <a:latin typeface="HGS創英角ﾎﾟｯﾌﾟ体" panose="040B0A00000000000000" pitchFamily="50" charset="-128"/>
+                <a:ea typeface="HGS創英角ﾎﾟｯﾌﾟ体" panose="040B0A00000000000000" pitchFamily="50" charset="-128"/>
               </a:rPr>
-              <a:t>くふうしたところ</a:t>
-            </a:r>
-            <a:endParaRPr kumimoji="1" lang="ja-JP" altLang="en-US" dirty="0">
-              <a:latin typeface="ふんわりラウンド" panose="02000700000000000000" pitchFamily="50" charset="-128"/>
-              <a:ea typeface="ふんわりラウンド" panose="02000700000000000000" pitchFamily="50" charset="-128"/>
+              <a:t>工夫</a:t>
+            </a:r>
+            <a:r>
+              <a:rPr lang="ja-JP" altLang="en-US" b="1" dirty="0" smtClean="0">
+                <a:latin typeface="HGS創英角ﾎﾟｯﾌﾟ体" panose="040B0A00000000000000" pitchFamily="50" charset="-128"/>
+                <a:ea typeface="HGS創英角ﾎﾟｯﾌﾟ体" panose="040B0A00000000000000" pitchFamily="50" charset="-128"/>
+              </a:rPr>
+              <a:t>した点</a:t>
+            </a:r>
+            <a:endParaRPr kumimoji="1" lang="ja-JP" altLang="en-US" b="1" dirty="0">
+              <a:latin typeface="HGS創英角ﾎﾟｯﾌﾟ体" panose="040B0A00000000000000" pitchFamily="50" charset="-128"/>
+              <a:ea typeface="HGS創英角ﾎﾟｯﾌﾟ体" panose="040B0A00000000000000" pitchFamily="50" charset="-128"/>
             </a:endParaRPr>
           </a:p>
         </p:txBody>
@@ -4932,8 +5238,8 @@
         </p:nvSpPr>
         <p:spPr>
           <a:xfrm>
-            <a:off x="2692957" y="2474461"/>
-            <a:ext cx="8119068" cy="1477328"/>
+            <a:off x="1965981" y="2275679"/>
+            <a:ext cx="8846774" cy="2931572"/>
           </a:xfrm>
           <a:prstGeom prst="rect">
             <a:avLst/>
@@ -4946,39 +5252,98 @@
           </a:bodyPr>
           <a:lstStyle/>
           <a:p>
-            <a:r>
-              <a:rPr lang="ja-JP" altLang="en-US" dirty="0" smtClean="0"/>
-              <a:t>子供にわかるような簡単でシンプルなゲーム</a:t>
-            </a:r>
-            <a:endParaRPr lang="en-US" altLang="ja-JP" dirty="0" smtClean="0"/>
-          </a:p>
-          <a:p>
-            <a:r>
-              <a:rPr lang="ja-JP" altLang="en-US" dirty="0" smtClean="0"/>
+            <a:pPr marL="457200" indent="-457200">
+              <a:lnSpc>
+                <a:spcPct val="150000"/>
+              </a:lnSpc>
+              <a:buFont typeface="Wingdings" panose="05000000000000000000" pitchFamily="2" charset="2"/>
+              <a:buChar char="l"/>
+            </a:pPr>
+            <a:r>
+              <a:rPr lang="ja-JP" altLang="en-US" sz="3200" dirty="0" smtClean="0">
+                <a:latin typeface="HGS創英角ﾎﾟｯﾌﾟ体" panose="040B0A00000000000000" pitchFamily="50" charset="-128"/>
+                <a:ea typeface="HGS創英角ﾎﾟｯﾌﾟ体" panose="040B0A00000000000000" pitchFamily="50" charset="-128"/>
+              </a:rPr>
+              <a:t>子供</a:t>
+            </a:r>
+            <a:r>
+              <a:rPr lang="ja-JP" altLang="en-US" sz="3200" dirty="0" smtClean="0">
+                <a:latin typeface="HGS創英角ﾎﾟｯﾌﾟ体" panose="040B0A00000000000000" pitchFamily="50" charset="-128"/>
+                <a:ea typeface="HGS創英角ﾎﾟｯﾌﾟ体" panose="040B0A00000000000000" pitchFamily="50" charset="-128"/>
+              </a:rPr>
+              <a:t>にわかるような簡単でシンプルなゲーム</a:t>
+            </a:r>
+            <a:endParaRPr lang="en-US" altLang="ja-JP" sz="3200" dirty="0" smtClean="0">
+              <a:latin typeface="HGS創英角ﾎﾟｯﾌﾟ体" panose="040B0A00000000000000" pitchFamily="50" charset="-128"/>
+              <a:ea typeface="HGS創英角ﾎﾟｯﾌﾟ体" panose="040B0A00000000000000" pitchFamily="50" charset="-128"/>
+            </a:endParaRPr>
+          </a:p>
+          <a:p>
+            <a:pPr marL="457200" indent="-457200">
+              <a:lnSpc>
+                <a:spcPct val="150000"/>
+              </a:lnSpc>
+              <a:buFont typeface="Wingdings" panose="05000000000000000000" pitchFamily="2" charset="2"/>
+              <a:buChar char="l"/>
+            </a:pPr>
+            <a:r>
+              <a:rPr lang="ja-JP" altLang="en-US" sz="3200" dirty="0" smtClean="0">
+                <a:latin typeface="HGS創英角ﾎﾟｯﾌﾟ体" panose="040B0A00000000000000" pitchFamily="50" charset="-128"/>
+                <a:ea typeface="HGS創英角ﾎﾟｯﾌﾟ体" panose="040B0A00000000000000" pitchFamily="50" charset="-128"/>
+              </a:rPr>
               <a:t>大人も一緒に探せるようなむずかしさ</a:t>
             </a:r>
-            <a:endParaRPr lang="en-US" altLang="ja-JP" dirty="0" smtClean="0"/>
-          </a:p>
-          <a:p>
-            <a:r>
-              <a:rPr lang="ja-JP" altLang="en-US" dirty="0" smtClean="0"/>
+            <a:endParaRPr lang="en-US" altLang="ja-JP" sz="3200" dirty="0" smtClean="0">
+              <a:latin typeface="HGS創英角ﾎﾟｯﾌﾟ体" panose="040B0A00000000000000" pitchFamily="50" charset="-128"/>
+              <a:ea typeface="HGS創英角ﾎﾟｯﾌﾟ体" panose="040B0A00000000000000" pitchFamily="50" charset="-128"/>
+            </a:endParaRPr>
+          </a:p>
+          <a:p>
+            <a:pPr marL="457200" indent="-457200">
+              <a:lnSpc>
+                <a:spcPct val="150000"/>
+              </a:lnSpc>
+              <a:buFont typeface="Wingdings" panose="05000000000000000000" pitchFamily="2" charset="2"/>
+              <a:buChar char="l"/>
+            </a:pPr>
+            <a:r>
+              <a:rPr lang="ja-JP" altLang="en-US" sz="3200" dirty="0" smtClean="0">
+                <a:latin typeface="HGS創英角ﾎﾟｯﾌﾟ体" panose="040B0A00000000000000" pitchFamily="50" charset="-128"/>
+                <a:ea typeface="HGS創英角ﾎﾟｯﾌﾟ体" panose="040B0A00000000000000" pitchFamily="50" charset="-128"/>
+              </a:rPr>
               <a:t>ノベルを挟みキャラクターをイメージさせる</a:t>
             </a:r>
-            <a:endParaRPr lang="en-US" altLang="ja-JP" dirty="0" smtClean="0"/>
-          </a:p>
-          <a:p>
-            <a:r>
-              <a:rPr lang="ja-JP" altLang="en-US" dirty="0" smtClean="0"/>
-              <a:t>子供も読めるように漢字なし</a:t>
-            </a:r>
-            <a:endParaRPr lang="en-US" altLang="ja-JP" dirty="0" smtClean="0"/>
-          </a:p>
-          <a:p>
-            <a:r>
-              <a:rPr lang="ja-JP" altLang="en-US" dirty="0" smtClean="0"/>
-              <a:t>三角形をだし、動きを加え止まって見えないように</a:t>
-            </a:r>
-            <a:endParaRPr lang="en-US" altLang="ja-JP" dirty="0" smtClean="0"/>
+            <a:endParaRPr lang="en-US" altLang="ja-JP" sz="3200" dirty="0" smtClean="0">
+              <a:latin typeface="HGS創英角ﾎﾟｯﾌﾟ体" panose="040B0A00000000000000" pitchFamily="50" charset="-128"/>
+              <a:ea typeface="HGS創英角ﾎﾟｯﾌﾟ体" panose="040B0A00000000000000" pitchFamily="50" charset="-128"/>
+            </a:endParaRPr>
+          </a:p>
+          <a:p>
+            <a:pPr marL="457200" indent="-457200">
+              <a:lnSpc>
+                <a:spcPct val="150000"/>
+              </a:lnSpc>
+              <a:buFont typeface="Wingdings" panose="05000000000000000000" pitchFamily="2" charset="2"/>
+              <a:buChar char="l"/>
+            </a:pPr>
+            <a:r>
+              <a:rPr lang="ja-JP" altLang="en-US" sz="3200" dirty="0" smtClean="0">
+                <a:latin typeface="HGS創英角ﾎﾟｯﾌﾟ体" panose="040B0A00000000000000" pitchFamily="50" charset="-128"/>
+                <a:ea typeface="HGS創英角ﾎﾟｯﾌﾟ体" panose="040B0A00000000000000" pitchFamily="50" charset="-128"/>
+              </a:rPr>
+              <a:t>子供も読めるように漢字</a:t>
+            </a:r>
+            <a:r>
+              <a:rPr lang="ja-JP" altLang="en-US" sz="3200" dirty="0" smtClean="0">
+                <a:latin typeface="HGS創英角ﾎﾟｯﾌﾟ体" panose="040B0A00000000000000" pitchFamily="50" charset="-128"/>
+                <a:ea typeface="HGS創英角ﾎﾟｯﾌﾟ体" panose="040B0A00000000000000" pitchFamily="50" charset="-128"/>
+              </a:rPr>
+              <a:t>なし</a:t>
+            </a:r>
+            <a:endParaRPr lang="en-US" altLang="ja-JP" sz="3200" dirty="0" smtClean="0">
+              <a:latin typeface="HGS創英角ﾎﾟｯﾌﾟ体" panose="040B0A00000000000000" pitchFamily="50" charset="-128"/>
+              <a:ea typeface="HGS創英角ﾎﾟｯﾌﾟ体" panose="040B0A00000000000000" pitchFamily="50" charset="-128"/>
+            </a:endParaRPr>
           </a:p>
         </p:txBody>
       </p:sp>
@@ -5091,15 +5456,187 @@
           <a:lstStyle/>
           <a:p>
             <a:r>
-              <a:rPr lang="ja-JP" altLang="en-US" dirty="0" smtClean="0">
-                <a:latin typeface="ふんわりラウンド" panose="02000700000000000000" pitchFamily="50" charset="-128"/>
-                <a:ea typeface="ふんわりラウンド" panose="02000700000000000000" pitchFamily="50" charset="-128"/>
+              <a:rPr lang="ja-JP" altLang="en-US" b="1" dirty="0" smtClean="0">
+                <a:latin typeface="HGS創英角ﾎﾟｯﾌﾟ体" panose="040B0A00000000000000" pitchFamily="50" charset="-128"/>
+                <a:ea typeface="HGS創英角ﾎﾟｯﾌﾟ体" panose="040B0A00000000000000" pitchFamily="50" charset="-128"/>
               </a:rPr>
-              <a:t>じっさいのてんじ♪</a:t>
-            </a:r>
-            <a:endParaRPr kumimoji="1" lang="ja-JP" altLang="en-US" dirty="0">
-              <a:latin typeface="ふんわりラウンド" panose="02000700000000000000" pitchFamily="50" charset="-128"/>
-              <a:ea typeface="ふんわりラウンド" panose="02000700000000000000" pitchFamily="50" charset="-128"/>
+              <a:t>実際の展示</a:t>
+            </a:r>
+            <a:endParaRPr kumimoji="1" lang="ja-JP" altLang="en-US" b="1" dirty="0">
+              <a:latin typeface="HGS創英角ﾎﾟｯﾌﾟ体" panose="040B0A00000000000000" pitchFamily="50" charset="-128"/>
+              <a:ea typeface="HGS創英角ﾎﾟｯﾌﾟ体" panose="040B0A00000000000000" pitchFamily="50" charset="-128"/>
+            </a:endParaRPr>
+          </a:p>
+        </p:txBody>
+      </p:sp>
+      <p:pic>
+        <p:nvPicPr>
+          <p:cNvPr id="2" name="図 1"/>
+          <p:cNvPicPr>
+            <a:picLocks noChangeAspect="1"/>
+          </p:cNvPicPr>
+          <p:nvPr/>
+        </p:nvPicPr>
+        <p:blipFill>
+          <a:blip r:embed="rId3" cstate="print">
+            <a:extLst>
+              <a:ext uri="{28A0092B-C50C-407E-A947-70E740481C1C}">
+                <a14:useLocalDpi xmlns:a14="http://schemas.microsoft.com/office/drawing/2010/main" val="0"/>
+              </a:ext>
+            </a:extLst>
+          </a:blip>
+          <a:stretch>
+            <a:fillRect/>
+          </a:stretch>
+        </p:blipFill>
+        <p:spPr>
+          <a:xfrm>
+            <a:off x="2047460" y="2474461"/>
+            <a:ext cx="2279374" cy="1424609"/>
+          </a:xfrm>
+          <a:prstGeom prst="rect">
+            <a:avLst/>
+          </a:prstGeom>
+        </p:spPr>
+      </p:pic>
+      <p:pic>
+        <p:nvPicPr>
+          <p:cNvPr id="6" name="図 5"/>
+          <p:cNvPicPr>
+            <a:picLocks noChangeAspect="1"/>
+          </p:cNvPicPr>
+          <p:nvPr/>
+        </p:nvPicPr>
+        <p:blipFill>
+          <a:blip r:embed="rId3" cstate="print">
+            <a:extLst>
+              <a:ext uri="{28A0092B-C50C-407E-A947-70E740481C1C}">
+                <a14:useLocalDpi xmlns:a14="http://schemas.microsoft.com/office/drawing/2010/main" val="0"/>
+              </a:ext>
+            </a:extLst>
+          </a:blip>
+          <a:stretch>
+            <a:fillRect/>
+          </a:stretch>
+        </p:blipFill>
+        <p:spPr>
+          <a:xfrm>
+            <a:off x="3867921" y="3478517"/>
+            <a:ext cx="2279374" cy="1424609"/>
+          </a:xfrm>
+          <a:prstGeom prst="rect">
+            <a:avLst/>
+          </a:prstGeom>
+        </p:spPr>
+      </p:pic>
+      <p:sp>
+        <p:nvSpPr>
+          <p:cNvPr id="3" name="テキスト ボックス 2"/>
+          <p:cNvSpPr txBox="1"/>
+          <p:nvPr/>
+        </p:nvSpPr>
+        <p:spPr>
+          <a:xfrm>
+            <a:off x="3074874" y="4216432"/>
+            <a:ext cx="1023730" cy="369332"/>
+          </a:xfrm>
+          <a:prstGeom prst="rect">
+            <a:avLst/>
+          </a:prstGeom>
+          <a:noFill/>
+        </p:spPr>
+        <p:txBody>
+          <a:bodyPr wrap="square" rtlCol="0">
+            <a:spAutoFit/>
+          </a:bodyPr>
+          <a:lstStyle/>
+          <a:p>
+            <a:r>
+              <a:rPr kumimoji="1" lang="ja-JP" altLang="en-US" dirty="0" smtClean="0"/>
+              <a:t>仮</a:t>
+            </a:r>
+            <a:endParaRPr kumimoji="1" lang="ja-JP" altLang="en-US" dirty="0"/>
+          </a:p>
+        </p:txBody>
+      </p:sp>
+      <p:sp>
+        <p:nvSpPr>
+          <p:cNvPr id="8" name="テキスト ボックス 7"/>
+          <p:cNvSpPr txBox="1"/>
+          <p:nvPr/>
+        </p:nvSpPr>
+        <p:spPr>
+          <a:xfrm>
+            <a:off x="6289976" y="2182073"/>
+            <a:ext cx="4901485" cy="2062103"/>
+          </a:xfrm>
+          <a:prstGeom prst="rect">
+            <a:avLst/>
+          </a:prstGeom>
+          <a:noFill/>
+        </p:spPr>
+        <p:txBody>
+          <a:bodyPr wrap="square" rtlCol="0">
+            <a:spAutoFit/>
+          </a:bodyPr>
+          <a:lstStyle/>
+          <a:p>
+            <a:r>
+              <a:rPr lang="ja-JP" altLang="en-US" sz="3200" dirty="0" smtClean="0">
+                <a:latin typeface="HGS創英角ﾎﾟｯﾌﾟ体" panose="040B0A00000000000000" pitchFamily="50" charset="-128"/>
+                <a:ea typeface="HGS創英角ﾎﾟｯﾌﾟ体" panose="040B0A00000000000000" pitchFamily="50" charset="-128"/>
+              </a:rPr>
+              <a:t>あああああ</a:t>
+            </a:r>
+            <a:endParaRPr lang="en-US" altLang="ja-JP" sz="3200" dirty="0" smtClean="0">
+              <a:latin typeface="HGS創英角ﾎﾟｯﾌﾟ体" panose="040B0A00000000000000" pitchFamily="50" charset="-128"/>
+              <a:ea typeface="HGS創英角ﾎﾟｯﾌﾟ体" panose="040B0A00000000000000" pitchFamily="50" charset="-128"/>
+            </a:endParaRPr>
+          </a:p>
+          <a:p>
+            <a:r>
+              <a:rPr lang="ja-JP" altLang="en-US" sz="3200" dirty="0" smtClean="0">
+                <a:latin typeface="HGS創英角ﾎﾟｯﾌﾟ体" panose="040B0A00000000000000" pitchFamily="50" charset="-128"/>
+                <a:ea typeface="HGS創英角ﾎﾟｯﾌﾟ体" panose="040B0A00000000000000" pitchFamily="50" charset="-128"/>
+              </a:rPr>
+              <a:t>あああああああああ</a:t>
+            </a:r>
+            <a:endParaRPr lang="en-US" altLang="ja-JP" sz="3200" dirty="0" smtClean="0">
+              <a:latin typeface="HGS創英角ﾎﾟｯﾌﾟ体" panose="040B0A00000000000000" pitchFamily="50" charset="-128"/>
+              <a:ea typeface="HGS創英角ﾎﾟｯﾌﾟ体" panose="040B0A00000000000000" pitchFamily="50" charset="-128"/>
+            </a:endParaRPr>
+          </a:p>
+          <a:p>
+            <a:r>
+              <a:rPr lang="ja-JP" altLang="en-US" sz="3200" dirty="0" smtClean="0">
+                <a:latin typeface="HGS創英角ﾎﾟｯﾌﾟ体" panose="040B0A00000000000000" pitchFamily="50" charset="-128"/>
+                <a:ea typeface="HGS創英角ﾎﾟｯﾌﾟ体" panose="040B0A00000000000000" pitchFamily="50" charset="-128"/>
+              </a:rPr>
+              <a:t>あああああああああああ</a:t>
+            </a:r>
+            <a:endParaRPr lang="en-US" altLang="ja-JP" sz="3200" dirty="0" smtClean="0">
+              <a:latin typeface="HGS創英角ﾎﾟｯﾌﾟ体" panose="040B0A00000000000000" pitchFamily="50" charset="-128"/>
+              <a:ea typeface="HGS創英角ﾎﾟｯﾌﾟ体" panose="040B0A00000000000000" pitchFamily="50" charset="-128"/>
+            </a:endParaRPr>
+          </a:p>
+          <a:p>
+            <a:r>
+              <a:rPr lang="ja-JP" altLang="en-US" sz="3200" dirty="0" smtClean="0">
+                <a:latin typeface="HGS創英角ﾎﾟｯﾌﾟ体" panose="040B0A00000000000000" pitchFamily="50" charset="-128"/>
+                <a:ea typeface="HGS創英角ﾎﾟｯﾌﾟ体" panose="040B0A00000000000000" pitchFamily="50" charset="-128"/>
+              </a:rPr>
+              <a:t>あああああああああ</a:t>
+            </a:r>
+            <a:r>
+              <a:rPr lang="ja-JP" altLang="en-US" sz="3200" dirty="0">
+                <a:latin typeface="HGS創英角ﾎﾟｯﾌﾟ体" panose="040B0A00000000000000" pitchFamily="50" charset="-128"/>
+                <a:ea typeface="HGS創英角ﾎﾟｯﾌﾟ体" panose="040B0A00000000000000" pitchFamily="50" charset="-128"/>
+              </a:rPr>
+              <a:t>あ</a:t>
+            </a:r>
+            <a:endParaRPr lang="en-US" altLang="ja-JP" sz="3200" dirty="0" smtClean="0">
+              <a:latin typeface="HGS創英角ﾎﾟｯﾌﾟ体" panose="040B0A00000000000000" pitchFamily="50" charset="-128"/>
+              <a:ea typeface="HGS創英角ﾎﾟｯﾌﾟ体" panose="040B0A00000000000000" pitchFamily="50" charset="-128"/>
             </a:endParaRPr>
           </a:p>
         </p:txBody>
@@ -5213,29 +5750,29 @@
           <a:lstStyle/>
           <a:p>
             <a:r>
-              <a:rPr lang="ja-JP" altLang="en-US" dirty="0" smtClean="0">
-                <a:latin typeface="ふんわりラウンド" panose="02000700000000000000" pitchFamily="50" charset="-128"/>
-                <a:ea typeface="ふんわりラウンド" panose="02000700000000000000" pitchFamily="50" charset="-128"/>
+              <a:rPr lang="ja-JP" altLang="en-US" b="1" dirty="0" smtClean="0">
+                <a:latin typeface="HGS創英角ﾎﾟｯﾌﾟ体" panose="040B0A00000000000000" pitchFamily="50" charset="-128"/>
+                <a:ea typeface="HGS創英角ﾎﾟｯﾌﾟ体" panose="040B0A00000000000000" pitchFamily="50" charset="-128"/>
               </a:rPr>
-              <a:t>よかったところ、わるかったところ</a:t>
-            </a:r>
-            <a:endParaRPr kumimoji="1" lang="ja-JP" altLang="en-US" dirty="0">
-              <a:latin typeface="ふんわりラウンド" panose="02000700000000000000" pitchFamily="50" charset="-128"/>
-              <a:ea typeface="ふんわりラウンド" panose="02000700000000000000" pitchFamily="50" charset="-128"/>
+              <a:t>良かった点、悪かった点</a:t>
+            </a:r>
+            <a:endParaRPr kumimoji="1" lang="ja-JP" altLang="en-US" b="1" dirty="0">
+              <a:latin typeface="HGS創英角ﾎﾟｯﾌﾟ体" panose="040B0A00000000000000" pitchFamily="50" charset="-128"/>
+              <a:ea typeface="HGS創英角ﾎﾟｯﾌﾟ体" panose="040B0A00000000000000" pitchFamily="50" charset="-128"/>
             </a:endParaRPr>
           </a:p>
         </p:txBody>
       </p:sp>
       <p:sp>
         <p:nvSpPr>
-          <p:cNvPr id="6" name="テキスト ボックス 5"/>
+          <p:cNvPr id="7" name="テキスト ボックス 6"/>
           <p:cNvSpPr txBox="1"/>
           <p:nvPr/>
         </p:nvSpPr>
         <p:spPr>
           <a:xfrm>
-            <a:off x="2046513" y="2487076"/>
-            <a:ext cx="8119068" cy="923330"/>
+            <a:off x="1875000" y="2395447"/>
+            <a:ext cx="8869200" cy="3539430"/>
           </a:xfrm>
           <a:prstGeom prst="rect">
             <a:avLst/>
@@ -5249,28 +5786,61 @@
           <a:lstStyle/>
           <a:p>
             <a:r>
-              <a:rPr lang="ja-JP" altLang="en-US" dirty="0" smtClean="0"/>
-              <a:t>あああああああああああああああ</a:t>
-            </a:r>
-            <a:endParaRPr lang="en-US" altLang="ja-JP" dirty="0" smtClean="0"/>
-          </a:p>
-          <a:p>
-            <a:r>
-              <a:rPr lang="ja-JP" altLang="en-US" dirty="0" smtClean="0"/>
+              <a:rPr lang="ja-JP" altLang="en-US" sz="3200" dirty="0" smtClean="0">
+                <a:latin typeface="HGS創英角ﾎﾟｯﾌﾟ体" panose="040B0A00000000000000" pitchFamily="50" charset="-128"/>
+                <a:ea typeface="HGS創英角ﾎﾟｯﾌﾟ体" panose="040B0A00000000000000" pitchFamily="50" charset="-128"/>
+              </a:rPr>
+              <a:t>ああああああああああああああああ</a:t>
+            </a:r>
+            <a:endParaRPr lang="en-US" altLang="ja-JP" sz="3200" dirty="0" smtClean="0">
+              <a:latin typeface="HGS創英角ﾎﾟｯﾌﾟ体" panose="040B0A00000000000000" pitchFamily="50" charset="-128"/>
+              <a:ea typeface="HGS創英角ﾎﾟｯﾌﾟ体" panose="040B0A00000000000000" pitchFamily="50" charset="-128"/>
+            </a:endParaRPr>
+          </a:p>
+          <a:p>
+            <a:r>
+              <a:rPr lang="ja-JP" altLang="en-US" sz="3200" dirty="0" smtClean="0">
+                <a:latin typeface="HGS創英角ﾎﾟｯﾌﾟ体" panose="040B0A00000000000000" pitchFamily="50" charset="-128"/>
+                <a:ea typeface="HGS創英角ﾎﾟｯﾌﾟ体" panose="040B0A00000000000000" pitchFamily="50" charset="-128"/>
+              </a:rPr>
               <a:t>ああああああああああああああああああ</a:t>
             </a:r>
-            <a:endParaRPr lang="en-US" altLang="ja-JP" dirty="0" smtClean="0"/>
-          </a:p>
-          <a:p>
-            <a:r>
-              <a:rPr lang="ja-JP" altLang="en-US" dirty="0" smtClean="0"/>
-              <a:t>あああああああああ</a:t>
-            </a:r>
-            <a:r>
-              <a:rPr lang="ja-JP" altLang="en-US" dirty="0"/>
-              <a:t>あ</a:t>
-            </a:r>
-            <a:endParaRPr lang="en-US" altLang="ja-JP" dirty="0" smtClean="0"/>
+            <a:endParaRPr lang="en-US" altLang="ja-JP" sz="3200" dirty="0" smtClean="0">
+              <a:latin typeface="HGS創英角ﾎﾟｯﾌﾟ体" panose="040B0A00000000000000" pitchFamily="50" charset="-128"/>
+              <a:ea typeface="HGS創英角ﾎﾟｯﾌﾟ体" panose="040B0A00000000000000" pitchFamily="50" charset="-128"/>
+            </a:endParaRPr>
+          </a:p>
+          <a:p>
+            <a:r>
+              <a:rPr lang="ja-JP" altLang="en-US" sz="3200" dirty="0" smtClean="0">
+                <a:latin typeface="HGS創英角ﾎﾟｯﾌﾟ体" panose="040B0A00000000000000" pitchFamily="50" charset="-128"/>
+                <a:ea typeface="HGS創英角ﾎﾟｯﾌﾟ体" panose="040B0A00000000000000" pitchFamily="50" charset="-128"/>
+              </a:rPr>
+              <a:t>ああああああああああああああああああああ</a:t>
+            </a:r>
+            <a:endParaRPr lang="en-US" altLang="ja-JP" sz="3200" dirty="0" smtClean="0">
+              <a:latin typeface="HGS創英角ﾎﾟｯﾌﾟ体" panose="040B0A00000000000000" pitchFamily="50" charset="-128"/>
+              <a:ea typeface="HGS創英角ﾎﾟｯﾌﾟ体" panose="040B0A00000000000000" pitchFamily="50" charset="-128"/>
+            </a:endParaRPr>
+          </a:p>
+          <a:p>
+            <a:r>
+              <a:rPr lang="ja-JP" altLang="en-US" sz="3200" dirty="0" smtClean="0">
+                <a:latin typeface="HGS創英角ﾎﾟｯﾌﾟ体" panose="040B0A00000000000000" pitchFamily="50" charset="-128"/>
+                <a:ea typeface="HGS創英角ﾎﾟｯﾌﾟ体" panose="040B0A00000000000000" pitchFamily="50" charset="-128"/>
+              </a:rPr>
+              <a:t>ああああああああああああああああああああああああああああああああああああああああああああ</a:t>
+            </a:r>
+            <a:endParaRPr lang="en-US" altLang="ja-JP" sz="3200" dirty="0" smtClean="0">
+              <a:latin typeface="HGS創英角ﾎﾟｯﾌﾟ体" panose="040B0A00000000000000" pitchFamily="50" charset="-128"/>
+              <a:ea typeface="HGS創英角ﾎﾟｯﾌﾟ体" panose="040B0A00000000000000" pitchFamily="50" charset="-128"/>
+            </a:endParaRPr>
+          </a:p>
+          <a:p>
+            <a:endParaRPr lang="en-US" altLang="ja-JP" sz="3200" dirty="0" smtClean="0">
+              <a:latin typeface="HGS創英角ﾎﾟｯﾌﾟ体" panose="040B0A00000000000000" pitchFamily="50" charset="-128"/>
+              <a:ea typeface="HGS創英角ﾎﾟｯﾌﾟ体" panose="040B0A00000000000000" pitchFamily="50" charset="-128"/>
+            </a:endParaRPr>
           </a:p>
         </p:txBody>
       </p:sp>
@@ -5383,15 +5953,15 @@
           <a:lstStyle/>
           <a:p>
             <a:r>
-              <a:rPr kumimoji="1" lang="ja-JP" altLang="en-US" dirty="0" smtClean="0">
-                <a:latin typeface="ふんわりラウンド" panose="02000700000000000000" pitchFamily="50" charset="-128"/>
-                <a:ea typeface="ふんわりラウンド" panose="02000700000000000000" pitchFamily="50" charset="-128"/>
+              <a:rPr kumimoji="1" lang="ja-JP" altLang="en-US" b="1" dirty="0" smtClean="0">
+                <a:latin typeface="HGS創英角ﾎﾟｯﾌﾟ体" panose="040B0A00000000000000" pitchFamily="50" charset="-128"/>
+                <a:ea typeface="HGS創英角ﾎﾟｯﾌﾟ体" panose="040B0A00000000000000" pitchFamily="50" charset="-128"/>
               </a:rPr>
               <a:t>まとめ</a:t>
             </a:r>
-            <a:endParaRPr kumimoji="1" lang="ja-JP" altLang="en-US" dirty="0">
-              <a:latin typeface="ふんわりラウンド" panose="02000700000000000000" pitchFamily="50" charset="-128"/>
-              <a:ea typeface="ふんわりラウンド" panose="02000700000000000000" pitchFamily="50" charset="-128"/>
+            <a:endParaRPr kumimoji="1" lang="ja-JP" altLang="en-US" b="1" dirty="0">
+              <a:latin typeface="HGS創英角ﾎﾟｯﾌﾟ体" panose="040B0A00000000000000" pitchFamily="50" charset="-128"/>
+              <a:ea typeface="HGS創英角ﾎﾟｯﾌﾟ体" panose="040B0A00000000000000" pitchFamily="50" charset="-128"/>
             </a:endParaRPr>
           </a:p>
         </p:txBody>

--- a/よこありくんのプレゼン.pptx
+++ b/よこありくんのプレゼン.pptx
@@ -205,7 +205,7 @@
           <a:p>
             <a:fld id="{4D49600F-AD24-4A14-B8B4-A2823C4A548D}" type="datetimeFigureOut">
               <a:rPr kumimoji="1" lang="ja-JP" altLang="en-US" smtClean="0"/>
-              <a:t>2017/1/21</a:t>
+              <a:t>2017/1/24</a:t>
             </a:fld>
             <a:endParaRPr kumimoji="1" lang="ja-JP" altLang="en-US"/>
           </a:p>
@@ -549,6 +549,18 @@
           <a:bodyPr/>
           <a:lstStyle/>
           <a:p>
+            <a:r>
+              <a:rPr kumimoji="1" lang="ja-JP" altLang="en-US" dirty="0" smtClean="0"/>
+              <a:t>横浜アリーナでヨコアリくんとか</a:t>
+            </a:r>
+            <a:r>
+              <a:rPr kumimoji="1" lang="ja-JP" altLang="en-US" dirty="0" err="1" smtClean="0"/>
+              <a:t>くれんぼを</a:t>
+            </a:r>
+            <a:r>
+              <a:rPr kumimoji="1" lang="ja-JP" altLang="en-US" dirty="0" smtClean="0"/>
+              <a:t>して探すゲームです。モチーフになった作品は皆さんも一度は遊んだことはあると思います「ウォーリーを探せ」です。このようなゲームで遊んだ時にこんな経験はなかったでしょうか？家族で遊んだ時、どっちが先に見つけるかで競争したり、見つけたときに思わず「見つけたー！！」と言ったりしたでしょうそれを今作でも再現できるように制作しました。ウォーリーを探せのような作品は年代を問わないので親子や友人と楽しめます。では、実際のゲーム画面はこのようになっております。</a:t>
+            </a:r>
             <a:endParaRPr kumimoji="1" lang="ja-JP" altLang="en-US" dirty="0"/>
           </a:p>
         </p:txBody>
@@ -633,6 +645,10 @@
           <a:bodyPr/>
           <a:lstStyle/>
           <a:p>
+            <a:r>
+              <a:rPr kumimoji="1" lang="ja-JP" altLang="en-US" dirty="0" smtClean="0"/>
+              <a:t>今回は妖怪ウォッチがイベントを行うということで、親子連れをメインに友達と一緒に来ている、小学生以上の方をターゲットとしています。親子連れには協力プレイでヨコアリくんを探してもらったり、友達連れにはその友達と競ってもらいたいと思いこのターゲットにしました。</a:t>
+            </a:r>
             <a:endParaRPr kumimoji="1" lang="ja-JP" altLang="en-US" dirty="0"/>
           </a:p>
         </p:txBody>
@@ -801,6 +817,18 @@
           <a:bodyPr/>
           <a:lstStyle/>
           <a:p>
+            <a:r>
+              <a:rPr kumimoji="1" lang="ja-JP" altLang="en-US" dirty="0" smtClean="0"/>
+              <a:t>ターゲット通り親子連れが遊びに来ていて、協力プレイする親子もいれば競争して探すという親子がおりました。妖怪ウォッチのイベント後に来てくれる方やイベント前に来てくれる方がいました。ですが、自分達の思っていたターゲットの年齢が</a:t>
+            </a:r>
+            <a:r>
+              <a:rPr kumimoji="1" lang="ja-JP" altLang="en-US" dirty="0" err="1" smtClean="0"/>
+              <a:t>を</a:t>
+            </a:r>
+            <a:r>
+              <a:rPr kumimoji="1" lang="ja-JP" altLang="en-US" dirty="0" smtClean="0"/>
+              <a:t>した回ってしまい、操作がしづらいという子も中にはいたので、タッチできるようにするなどの変更を今後加えたいと思います</a:t>
+            </a:r>
             <a:endParaRPr kumimoji="1" lang="ja-JP" altLang="en-US" dirty="0"/>
           </a:p>
         </p:txBody>
@@ -972,7 +1000,7 @@
           <a:p>
             <a:fld id="{470514F9-9BBD-47E7-9368-C995E0238237}" type="datetimeFigureOut">
               <a:rPr kumimoji="1" lang="ja-JP" altLang="en-US" smtClean="0"/>
-              <a:t>2017/1/21</a:t>
+              <a:t>2017/1/24</a:t>
             </a:fld>
             <a:endParaRPr kumimoji="1" lang="ja-JP" altLang="en-US"/>
           </a:p>
@@ -1174,7 +1202,7 @@
           <a:p>
             <a:fld id="{470514F9-9BBD-47E7-9368-C995E0238237}" type="datetimeFigureOut">
               <a:rPr kumimoji="1" lang="ja-JP" altLang="en-US" smtClean="0"/>
-              <a:t>2017/1/21</a:t>
+              <a:t>2017/1/24</a:t>
             </a:fld>
             <a:endParaRPr kumimoji="1" lang="ja-JP" altLang="en-US"/>
           </a:p>
@@ -1386,7 +1414,7 @@
           <a:p>
             <a:fld id="{470514F9-9BBD-47E7-9368-C995E0238237}" type="datetimeFigureOut">
               <a:rPr kumimoji="1" lang="ja-JP" altLang="en-US" smtClean="0"/>
-              <a:t>2017/1/21</a:t>
+              <a:t>2017/1/24</a:t>
             </a:fld>
             <a:endParaRPr kumimoji="1" lang="ja-JP" altLang="en-US"/>
           </a:p>
@@ -1565,7 +1593,7 @@
           <a:p>
             <a:fld id="{470514F9-9BBD-47E7-9368-C995E0238237}" type="datetimeFigureOut">
               <a:rPr kumimoji="1" lang="ja-JP" altLang="en-US" smtClean="0"/>
-              <a:t>2017/1/21</a:t>
+              <a:t>2017/1/24</a:t>
             </a:fld>
             <a:endParaRPr kumimoji="1" lang="ja-JP" altLang="en-US"/>
           </a:p>
@@ -1894,7 +1922,7 @@
           <a:p>
             <a:fld id="{470514F9-9BBD-47E7-9368-C995E0238237}" type="datetimeFigureOut">
               <a:rPr kumimoji="1" lang="ja-JP" altLang="en-US" smtClean="0"/>
-              <a:t>2017/1/21</a:t>
+              <a:t>2017/1/24</a:t>
             </a:fld>
             <a:endParaRPr kumimoji="1" lang="ja-JP" altLang="en-US"/>
           </a:p>
@@ -2190,7 +2218,7 @@
           <a:p>
             <a:fld id="{470514F9-9BBD-47E7-9368-C995E0238237}" type="datetimeFigureOut">
               <a:rPr kumimoji="1" lang="ja-JP" altLang="en-US" smtClean="0"/>
-              <a:t>2017/1/21</a:t>
+              <a:t>2017/1/24</a:t>
             </a:fld>
             <a:endParaRPr kumimoji="1" lang="ja-JP" altLang="en-US"/>
           </a:p>
@@ -2621,7 +2649,7 @@
           <a:p>
             <a:fld id="{470514F9-9BBD-47E7-9368-C995E0238237}" type="datetimeFigureOut">
               <a:rPr kumimoji="1" lang="ja-JP" altLang="en-US" smtClean="0"/>
-              <a:t>2017/1/21</a:t>
+              <a:t>2017/1/24</a:t>
             </a:fld>
             <a:endParaRPr kumimoji="1" lang="ja-JP" altLang="en-US"/>
           </a:p>
@@ -2739,7 +2767,7 @@
           <a:p>
             <a:fld id="{470514F9-9BBD-47E7-9368-C995E0238237}" type="datetimeFigureOut">
               <a:rPr kumimoji="1" lang="ja-JP" altLang="en-US" smtClean="0"/>
-              <a:t>2017/1/21</a:t>
+              <a:t>2017/1/24</a:t>
             </a:fld>
             <a:endParaRPr kumimoji="1" lang="ja-JP" altLang="en-US"/>
           </a:p>
@@ -2834,7 +2862,7 @@
           <a:p>
             <a:fld id="{470514F9-9BBD-47E7-9368-C995E0238237}" type="datetimeFigureOut">
               <a:rPr kumimoji="1" lang="ja-JP" altLang="en-US" smtClean="0"/>
-              <a:t>2017/1/21</a:t>
+              <a:t>2017/1/24</a:t>
             </a:fld>
             <a:endParaRPr kumimoji="1" lang="ja-JP" altLang="en-US"/>
           </a:p>
@@ -3143,7 +3171,7 @@
           <a:p>
             <a:fld id="{470514F9-9BBD-47E7-9368-C995E0238237}" type="datetimeFigureOut">
               <a:rPr kumimoji="1" lang="ja-JP" altLang="en-US" smtClean="0"/>
-              <a:t>2017/1/21</a:t>
+              <a:t>2017/1/24</a:t>
             </a:fld>
             <a:endParaRPr kumimoji="1" lang="ja-JP" altLang="en-US"/>
           </a:p>
@@ -3396,7 +3424,7 @@
           <a:p>
             <a:fld id="{470514F9-9BBD-47E7-9368-C995E0238237}" type="datetimeFigureOut">
               <a:rPr kumimoji="1" lang="ja-JP" altLang="en-US" smtClean="0"/>
-              <a:t>2017/1/21</a:t>
+              <a:t>2017/1/24</a:t>
             </a:fld>
             <a:endParaRPr kumimoji="1" lang="ja-JP" altLang="en-US"/>
           </a:p>
@@ -3641,7 +3669,7 @@
           <a:p>
             <a:fld id="{470514F9-9BBD-47E7-9368-C995E0238237}" type="datetimeFigureOut">
               <a:rPr kumimoji="1" lang="ja-JP" altLang="en-US" smtClean="0"/>
-              <a:t>2017/1/21</a:t>
+              <a:t>2017/1/24</a:t>
             </a:fld>
             <a:endParaRPr kumimoji="1" lang="ja-JP" altLang="en-US"/>
           </a:p>
@@ -4930,8 +4958,8 @@
         </p:nvSpPr>
         <p:spPr>
           <a:xfrm>
-            <a:off x="1984330" y="2395447"/>
-            <a:ext cx="8869200" cy="584775"/>
+            <a:off x="1942766" y="2712143"/>
+            <a:ext cx="8869200" cy="646331"/>
           </a:xfrm>
           <a:prstGeom prst="rect">
             <a:avLst/>
@@ -4945,20 +4973,13 @@
           <a:lstStyle/>
           <a:p>
             <a:r>
-              <a:rPr lang="ja-JP" altLang="en-US" sz="3200" dirty="0" smtClean="0">
+              <a:rPr lang="ja-JP" altLang="en-US" sz="3600" dirty="0" smtClean="0">
                 <a:latin typeface="HGS創英角ﾎﾟｯﾌﾟ体" panose="040B0A00000000000000" pitchFamily="50" charset="-128"/>
                 <a:ea typeface="HGS創英角ﾎﾟｯﾌﾟ体" panose="040B0A00000000000000" pitchFamily="50" charset="-128"/>
               </a:rPr>
-              <a:t>妖怪ウォッチの好きな年齢層の子供</a:t>
-            </a:r>
-            <a:r>
-              <a:rPr lang="ja-JP" altLang="en-US" sz="3200" dirty="0" smtClean="0">
-                <a:latin typeface="HGS創英角ﾎﾟｯﾌﾟ体" panose="040B0A00000000000000" pitchFamily="50" charset="-128"/>
-                <a:ea typeface="HGS創英角ﾎﾟｯﾌﾟ体" panose="040B0A00000000000000" pitchFamily="50" charset="-128"/>
-              </a:rPr>
-              <a:t>たち</a:t>
-            </a:r>
-            <a:endParaRPr lang="en-US" altLang="ja-JP" sz="3200" dirty="0" smtClean="0">
+              <a:t>妖怪ウォッチの好きな年齢層の子供たち</a:t>
+            </a:r>
+            <a:endParaRPr lang="en-US" altLang="ja-JP" sz="3600" dirty="0" smtClean="0">
               <a:latin typeface="HGS創英角ﾎﾟｯﾌﾟ体" panose="040B0A00000000000000" pitchFamily="50" charset="-128"/>
               <a:ea typeface="HGS創英角ﾎﾟｯﾌﾟ体" panose="040B0A00000000000000" pitchFamily="50" charset="-128"/>
             </a:endParaRPr>
@@ -4973,8 +4994,8 @@
         </p:nvSpPr>
         <p:spPr>
           <a:xfrm>
-            <a:off x="3866319" y="3603953"/>
-            <a:ext cx="457200" cy="467140"/>
+            <a:off x="3787818" y="3902007"/>
+            <a:ext cx="401602" cy="410333"/>
           </a:xfrm>
           <a:prstGeom prst="rightArrow">
             <a:avLst/>
@@ -5016,8 +5037,8 @@
         </p:nvSpPr>
         <p:spPr>
           <a:xfrm>
-            <a:off x="2395147" y="3545136"/>
-            <a:ext cx="1500991" cy="584775"/>
+            <a:off x="2427481" y="3845563"/>
+            <a:ext cx="1500991" cy="523220"/>
           </a:xfrm>
           <a:prstGeom prst="rect">
             <a:avLst/>
@@ -5031,27 +5052,13 @@
           <a:lstStyle/>
           <a:p>
             <a:r>
-              <a:rPr lang="ja-JP" altLang="en-US" sz="3200" dirty="0" smtClean="0">
+              <a:rPr lang="ja-JP" altLang="en-US" sz="2800" dirty="0" smtClean="0">
                 <a:latin typeface="HGS創英角ﾎﾟｯﾌﾟ体" panose="040B0A00000000000000" pitchFamily="50" charset="-128"/>
                 <a:ea typeface="HGS創英角ﾎﾟｯﾌﾟ体" panose="040B0A00000000000000" pitchFamily="50" charset="-128"/>
               </a:rPr>
-              <a:t>何</a:t>
-            </a:r>
-            <a:r>
-              <a:rPr lang="ja-JP" altLang="en-US" sz="3200" dirty="0" smtClean="0">
-                <a:latin typeface="HGS創英角ﾎﾟｯﾌﾟ体" panose="040B0A00000000000000" pitchFamily="50" charset="-128"/>
-                <a:ea typeface="HGS創英角ﾎﾟｯﾌﾟ体" panose="040B0A00000000000000" pitchFamily="50" charset="-128"/>
-              </a:rPr>
-              <a:t>故</a:t>
-            </a:r>
-            <a:r>
-              <a:rPr lang="ja-JP" altLang="en-US" sz="3200" dirty="0" smtClean="0">
-                <a:latin typeface="HGS創英角ﾎﾟｯﾌﾟ体" panose="040B0A00000000000000" pitchFamily="50" charset="-128"/>
-                <a:ea typeface="HGS創英角ﾎﾟｯﾌﾟ体" panose="040B0A00000000000000" pitchFamily="50" charset="-128"/>
-              </a:rPr>
-              <a:t>か</a:t>
-            </a:r>
-            <a:endParaRPr lang="en-US" altLang="ja-JP" sz="3200" dirty="0" smtClean="0">
+              <a:t>何故か</a:t>
+            </a:r>
+            <a:endParaRPr lang="en-US" altLang="ja-JP" sz="2800" dirty="0" smtClean="0">
               <a:latin typeface="HGS創英角ﾎﾟｯﾌﾟ体" panose="040B0A00000000000000" pitchFamily="50" charset="-128"/>
               <a:ea typeface="HGS創英角ﾎﾟｯﾌﾟ体" panose="040B0A00000000000000" pitchFamily="50" charset="-128"/>
             </a:endParaRPr>
@@ -5066,8 +5073,8 @@
         </p:nvSpPr>
         <p:spPr>
           <a:xfrm>
-            <a:off x="4452548" y="3509799"/>
-            <a:ext cx="8869200" cy="584775"/>
+            <a:off x="4327539" y="3845563"/>
+            <a:ext cx="8869200" cy="523220"/>
           </a:xfrm>
           <a:prstGeom prst="rect">
             <a:avLst/>
@@ -5081,20 +5088,13 @@
           <a:lstStyle/>
           <a:p>
             <a:r>
-              <a:rPr lang="ja-JP" altLang="en-US" sz="3200" dirty="0" smtClean="0">
+              <a:rPr lang="ja-JP" altLang="en-US" sz="2800" dirty="0" smtClean="0">
                 <a:latin typeface="HGS創英角ﾎﾟｯﾌﾟ体" panose="040B0A00000000000000" pitchFamily="50" charset="-128"/>
                 <a:ea typeface="HGS創英角ﾎﾟｯﾌﾟ体" panose="040B0A00000000000000" pitchFamily="50" charset="-128"/>
               </a:rPr>
-              <a:t>イベント</a:t>
-            </a:r>
-            <a:r>
-              <a:rPr lang="ja-JP" altLang="en-US" sz="3200" dirty="0" smtClean="0">
-                <a:latin typeface="HGS創英角ﾎﾟｯﾌﾟ体" panose="040B0A00000000000000" pitchFamily="50" charset="-128"/>
-                <a:ea typeface="HGS創英角ﾎﾟｯﾌﾟ体" panose="040B0A00000000000000" pitchFamily="50" charset="-128"/>
-              </a:rPr>
-              <a:t>が同時に開催されるため</a:t>
-            </a:r>
-            <a:endParaRPr lang="en-US" altLang="ja-JP" sz="3200" dirty="0" smtClean="0">
+              <a:t>イベントが同時に開催されるため</a:t>
+            </a:r>
+            <a:endParaRPr lang="en-US" altLang="ja-JP" sz="2800" dirty="0" smtClean="0">
               <a:latin typeface="HGS創英角ﾎﾟｯﾌﾟ体" panose="040B0A00000000000000" pitchFamily="50" charset="-128"/>
               <a:ea typeface="HGS創英角ﾎﾟｯﾌﾟ体" panose="040B0A00000000000000" pitchFamily="50" charset="-128"/>
             </a:endParaRPr>
@@ -5264,14 +5264,7 @@
                 <a:latin typeface="HGS創英角ﾎﾟｯﾌﾟ体" panose="040B0A00000000000000" pitchFamily="50" charset="-128"/>
                 <a:ea typeface="HGS創英角ﾎﾟｯﾌﾟ体" panose="040B0A00000000000000" pitchFamily="50" charset="-128"/>
               </a:rPr>
-              <a:t>子供</a:t>
-            </a:r>
-            <a:r>
-              <a:rPr lang="ja-JP" altLang="en-US" sz="3200" dirty="0" smtClean="0">
-                <a:latin typeface="HGS創英角ﾎﾟｯﾌﾟ体" panose="040B0A00000000000000" pitchFamily="50" charset="-128"/>
-                <a:ea typeface="HGS創英角ﾎﾟｯﾌﾟ体" panose="040B0A00000000000000" pitchFamily="50" charset="-128"/>
-              </a:rPr>
-              <a:t>にわかるような簡単でシンプルなゲーム</a:t>
+              <a:t>子供にわかるような簡単でシンプルなゲーム</a:t>
             </a:r>
             <a:endParaRPr lang="en-US" altLang="ja-JP" sz="3200" dirty="0" smtClean="0">
               <a:latin typeface="HGS創英角ﾎﾟｯﾌﾟ体" panose="040B0A00000000000000" pitchFamily="50" charset="-128"/>
@@ -5331,14 +5324,7 @@
                 <a:latin typeface="HGS創英角ﾎﾟｯﾌﾟ体" panose="040B0A00000000000000" pitchFamily="50" charset="-128"/>
                 <a:ea typeface="HGS創英角ﾎﾟｯﾌﾟ体" panose="040B0A00000000000000" pitchFamily="50" charset="-128"/>
               </a:rPr>
-              <a:t>子供も読めるように漢字</a:t>
-            </a:r>
-            <a:r>
-              <a:rPr lang="ja-JP" altLang="en-US" sz="3200" dirty="0" smtClean="0">
-                <a:latin typeface="HGS創英角ﾎﾟｯﾌﾟ体" panose="040B0A00000000000000" pitchFamily="50" charset="-128"/>
-                <a:ea typeface="HGS創英角ﾎﾟｯﾌﾟ体" panose="040B0A00000000000000" pitchFamily="50" charset="-128"/>
-              </a:rPr>
-              <a:t>なし</a:t>
+              <a:t>子供も読めるように漢字なし</a:t>
             </a:r>
             <a:endParaRPr lang="en-US" altLang="ja-JP" sz="3200" dirty="0" smtClean="0">
               <a:latin typeface="HGS創英角ﾎﾟｯﾌﾟ体" panose="040B0A00000000000000" pitchFamily="50" charset="-128"/>
@@ -5469,9 +5455,64 @@
           </a:p>
         </p:txBody>
       </p:sp>
+      <p:sp>
+        <p:nvSpPr>
+          <p:cNvPr id="8" name="テキスト ボックス 7"/>
+          <p:cNvSpPr txBox="1"/>
+          <p:nvPr/>
+        </p:nvSpPr>
+        <p:spPr>
+          <a:xfrm>
+            <a:off x="5656519" y="2182073"/>
+            <a:ext cx="5613992" cy="1569660"/>
+          </a:xfrm>
+          <a:prstGeom prst="rect">
+            <a:avLst/>
+          </a:prstGeom>
+          <a:noFill/>
+        </p:spPr>
+        <p:txBody>
+          <a:bodyPr wrap="square" rtlCol="0">
+            <a:spAutoFit/>
+          </a:bodyPr>
+          <a:lstStyle/>
+          <a:p>
+            <a:r>
+              <a:rPr lang="ja-JP" altLang="en-US" sz="3200" dirty="0" smtClean="0">
+                <a:latin typeface="HGS創英角ﾎﾟｯﾌﾟ体" panose="040B0A00000000000000" pitchFamily="50" charset="-128"/>
+                <a:ea typeface="HGS創英角ﾎﾟｯﾌﾟ体" panose="040B0A00000000000000" pitchFamily="50" charset="-128"/>
+              </a:rPr>
+              <a:t>想定したターゲットより低い</a:t>
+            </a:r>
+            <a:endParaRPr lang="en-US" altLang="ja-JP" sz="3200" dirty="0" smtClean="0">
+              <a:latin typeface="HGS創英角ﾎﾟｯﾌﾟ体" panose="040B0A00000000000000" pitchFamily="50" charset="-128"/>
+              <a:ea typeface="HGS創英角ﾎﾟｯﾌﾟ体" panose="040B0A00000000000000" pitchFamily="50" charset="-128"/>
+            </a:endParaRPr>
+          </a:p>
+          <a:p>
+            <a:r>
+              <a:rPr lang="ja-JP" altLang="en-US" sz="3200" dirty="0" smtClean="0">
+                <a:latin typeface="HGS創英角ﾎﾟｯﾌﾟ体" panose="040B0A00000000000000" pitchFamily="50" charset="-128"/>
+                <a:ea typeface="HGS創英角ﾎﾟｯﾌﾟ体" panose="040B0A00000000000000" pitchFamily="50" charset="-128"/>
+              </a:rPr>
+              <a:t>親子で楽しんでいた</a:t>
+            </a:r>
+            <a:endParaRPr lang="en-US" altLang="ja-JP" sz="3200" dirty="0" smtClean="0">
+              <a:latin typeface="HGS創英角ﾎﾟｯﾌﾟ体" panose="040B0A00000000000000" pitchFamily="50" charset="-128"/>
+              <a:ea typeface="HGS創英角ﾎﾟｯﾌﾟ体" panose="040B0A00000000000000" pitchFamily="50" charset="-128"/>
+            </a:endParaRPr>
+          </a:p>
+          <a:p>
+            <a:endParaRPr lang="en-US" altLang="ja-JP" sz="3200" dirty="0" smtClean="0">
+              <a:latin typeface="HGS創英角ﾎﾟｯﾌﾟ体" panose="040B0A00000000000000" pitchFamily="50" charset="-128"/>
+              <a:ea typeface="HGS創英角ﾎﾟｯﾌﾟ体" panose="040B0A00000000000000" pitchFamily="50" charset="-128"/>
+            </a:endParaRPr>
+          </a:p>
+        </p:txBody>
+      </p:sp>
       <p:pic>
         <p:nvPicPr>
-          <p:cNvPr id="2" name="図 1"/>
+          <p:cNvPr id="7" name="図 6"/>
           <p:cNvPicPr>
             <a:picLocks noChangeAspect="1"/>
           </p:cNvPicPr>
@@ -5491,24 +5532,47 @@
         </p:blipFill>
         <p:spPr>
           <a:xfrm>
-            <a:off x="2047460" y="2474461"/>
-            <a:ext cx="2279374" cy="1424609"/>
+            <a:off x="1733918" y="2474461"/>
+            <a:ext cx="1717835" cy="2289156"/>
           </a:xfrm>
           <a:prstGeom prst="rect">
             <a:avLst/>
           </a:prstGeom>
+          <a:solidFill>
+            <a:srgbClr val="FFFFFF">
+              <a:shade val="85000"/>
+            </a:srgbClr>
+          </a:solidFill>
+          <a:ln w="127000" cap="sq">
+            <a:solidFill>
+              <a:srgbClr val="FFFFFF"/>
+            </a:solidFill>
+            <a:miter lim="800000"/>
+          </a:ln>
+          <a:effectLst/>
+          <a:scene3d>
+            <a:camera prst="orthographicFront"/>
+            <a:lightRig rig="twoPt" dir="t">
+              <a:rot lat="0" lon="0" rev="7200000"/>
+            </a:lightRig>
+          </a:scene3d>
+          <a:sp3d>
+            <a:contourClr>
+              <a:srgbClr val="FFFFFF"/>
+            </a:contourClr>
+          </a:sp3d>
         </p:spPr>
       </p:pic>
       <p:pic>
         <p:nvPicPr>
-          <p:cNvPr id="6" name="図 5"/>
+          <p:cNvPr id="9" name="図 8"/>
           <p:cNvPicPr>
             <a:picLocks noChangeAspect="1"/>
           </p:cNvPicPr>
           <p:nvPr/>
         </p:nvPicPr>
         <p:blipFill>
-          <a:blip r:embed="rId3" cstate="print">
+          <a:blip r:embed="rId4" cstate="print">
             <a:extLst>
               <a:ext uri="{28A0092B-C50C-407E-A947-70E740481C1C}">
                 <a14:useLocalDpi xmlns:a14="http://schemas.microsoft.com/office/drawing/2010/main" val="0"/>
@@ -5521,126 +5585,37 @@
         </p:blipFill>
         <p:spPr>
           <a:xfrm>
-            <a:off x="3867921" y="3478517"/>
-            <a:ext cx="2279374" cy="1424609"/>
+            <a:off x="3286360" y="3619039"/>
+            <a:ext cx="2242569" cy="1681167"/>
           </a:xfrm>
           <a:prstGeom prst="rect">
             <a:avLst/>
           </a:prstGeom>
+          <a:solidFill>
+            <a:srgbClr val="FFFFFF">
+              <a:shade val="85000"/>
+            </a:srgbClr>
+          </a:solidFill>
+          <a:ln w="127000" cap="sq">
+            <a:solidFill>
+              <a:srgbClr val="FFFFFF"/>
+            </a:solidFill>
+            <a:miter lim="800000"/>
+          </a:ln>
+          <a:effectLst/>
+          <a:scene3d>
+            <a:camera prst="orthographicFront"/>
+            <a:lightRig rig="twoPt" dir="t">
+              <a:rot lat="0" lon="0" rev="7200000"/>
+            </a:lightRig>
+          </a:scene3d>
+          <a:sp3d>
+            <a:contourClr>
+              <a:srgbClr val="FFFFFF"/>
+            </a:contourClr>
+          </a:sp3d>
         </p:spPr>
       </p:pic>
-      <p:sp>
-        <p:nvSpPr>
-          <p:cNvPr id="3" name="テキスト ボックス 2"/>
-          <p:cNvSpPr txBox="1"/>
-          <p:nvPr/>
-        </p:nvSpPr>
-        <p:spPr>
-          <a:xfrm>
-            <a:off x="3074874" y="4216432"/>
-            <a:ext cx="1023730" cy="369332"/>
-          </a:xfrm>
-          <a:prstGeom prst="rect">
-            <a:avLst/>
-          </a:prstGeom>
-          <a:noFill/>
-        </p:spPr>
-        <p:txBody>
-          <a:bodyPr wrap="square" rtlCol="0">
-            <a:spAutoFit/>
-          </a:bodyPr>
-          <a:lstStyle/>
-          <a:p>
-            <a:r>
-              <a:rPr kumimoji="1" lang="ja-JP" altLang="en-US" dirty="0" smtClean="0"/>
-              <a:t>仮</a:t>
-            </a:r>
-            <a:endParaRPr kumimoji="1" lang="ja-JP" altLang="en-US" dirty="0"/>
-          </a:p>
-        </p:txBody>
-      </p:sp>
-      <p:sp>
-        <p:nvSpPr>
-          <p:cNvPr id="8" name="テキスト ボックス 7"/>
-          <p:cNvSpPr txBox="1"/>
-          <p:nvPr/>
-        </p:nvSpPr>
-        <p:spPr>
-          <a:xfrm>
-            <a:off x="6289976" y="2182073"/>
-            <a:ext cx="4901485" cy="2062103"/>
-          </a:xfrm>
-          <a:prstGeom prst="rect">
-            <a:avLst/>
-          </a:prstGeom>
-          <a:noFill/>
-        </p:spPr>
-        <p:txBody>
-          <a:bodyPr wrap="square" rtlCol="0">
-            <a:spAutoFit/>
-          </a:bodyPr>
-          <a:lstStyle/>
-          <a:p>
-            <a:r>
-              <a:rPr lang="ja-JP" altLang="en-US" sz="3200" dirty="0" smtClean="0">
-                <a:latin typeface="HGS創英角ﾎﾟｯﾌﾟ体" panose="040B0A00000000000000" pitchFamily="50" charset="-128"/>
-                <a:ea typeface="HGS創英角ﾎﾟｯﾌﾟ体" panose="040B0A00000000000000" pitchFamily="50" charset="-128"/>
-              </a:rPr>
-              <a:t>あああああ</a:t>
-            </a:r>
-            <a:endParaRPr lang="en-US" altLang="ja-JP" sz="3200" dirty="0" smtClean="0">
-              <a:latin typeface="HGS創英角ﾎﾟｯﾌﾟ体" panose="040B0A00000000000000" pitchFamily="50" charset="-128"/>
-              <a:ea typeface="HGS創英角ﾎﾟｯﾌﾟ体" panose="040B0A00000000000000" pitchFamily="50" charset="-128"/>
-            </a:endParaRPr>
-          </a:p>
-          <a:p>
-            <a:r>
-              <a:rPr lang="ja-JP" altLang="en-US" sz="3200" dirty="0" smtClean="0">
-                <a:latin typeface="HGS創英角ﾎﾟｯﾌﾟ体" panose="040B0A00000000000000" pitchFamily="50" charset="-128"/>
-                <a:ea typeface="HGS創英角ﾎﾟｯﾌﾟ体" panose="040B0A00000000000000" pitchFamily="50" charset="-128"/>
-              </a:rPr>
-              <a:t>あああああああああ</a:t>
-            </a:r>
-            <a:endParaRPr lang="en-US" altLang="ja-JP" sz="3200" dirty="0" smtClean="0">
-              <a:latin typeface="HGS創英角ﾎﾟｯﾌﾟ体" panose="040B0A00000000000000" pitchFamily="50" charset="-128"/>
-              <a:ea typeface="HGS創英角ﾎﾟｯﾌﾟ体" panose="040B0A00000000000000" pitchFamily="50" charset="-128"/>
-            </a:endParaRPr>
-          </a:p>
-          <a:p>
-            <a:r>
-              <a:rPr lang="ja-JP" altLang="en-US" sz="3200" dirty="0" smtClean="0">
-                <a:latin typeface="HGS創英角ﾎﾟｯﾌﾟ体" panose="040B0A00000000000000" pitchFamily="50" charset="-128"/>
-                <a:ea typeface="HGS創英角ﾎﾟｯﾌﾟ体" panose="040B0A00000000000000" pitchFamily="50" charset="-128"/>
-              </a:rPr>
-              <a:t>あああああああああああ</a:t>
-            </a:r>
-            <a:endParaRPr lang="en-US" altLang="ja-JP" sz="3200" dirty="0" smtClean="0">
-              <a:latin typeface="HGS創英角ﾎﾟｯﾌﾟ体" panose="040B0A00000000000000" pitchFamily="50" charset="-128"/>
-              <a:ea typeface="HGS創英角ﾎﾟｯﾌﾟ体" panose="040B0A00000000000000" pitchFamily="50" charset="-128"/>
-            </a:endParaRPr>
-          </a:p>
-          <a:p>
-            <a:r>
-              <a:rPr lang="ja-JP" altLang="en-US" sz="3200" dirty="0" smtClean="0">
-                <a:latin typeface="HGS創英角ﾎﾟｯﾌﾟ体" panose="040B0A00000000000000" pitchFamily="50" charset="-128"/>
-                <a:ea typeface="HGS創英角ﾎﾟｯﾌﾟ体" panose="040B0A00000000000000" pitchFamily="50" charset="-128"/>
-              </a:rPr>
-              <a:t>あああああああああ</a:t>
-            </a:r>
-            <a:r>
-              <a:rPr lang="ja-JP" altLang="en-US" sz="3200" dirty="0">
-                <a:latin typeface="HGS創英角ﾎﾟｯﾌﾟ体" panose="040B0A00000000000000" pitchFamily="50" charset="-128"/>
-                <a:ea typeface="HGS創英角ﾎﾟｯﾌﾟ体" panose="040B0A00000000000000" pitchFamily="50" charset="-128"/>
-              </a:rPr>
-              <a:t>あ</a:t>
-            </a:r>
-            <a:endParaRPr lang="en-US" altLang="ja-JP" sz="3200" dirty="0" smtClean="0">
-              <a:latin typeface="HGS創英角ﾎﾟｯﾌﾟ体" panose="040B0A00000000000000" pitchFamily="50" charset="-128"/>
-              <a:ea typeface="HGS創英角ﾎﾟｯﾌﾟ体" panose="040B0A00000000000000" pitchFamily="50" charset="-128"/>
-            </a:endParaRPr>
-          </a:p>
-        </p:txBody>
-      </p:sp>
     </p:spTree>
     <p:extLst>
       <p:ext uri="{BB962C8B-B14F-4D97-AF65-F5344CB8AC3E}">
@@ -5771,8 +5746,8 @@
         </p:nvSpPr>
         <p:spPr>
           <a:xfrm>
-            <a:off x="1875000" y="2395447"/>
-            <a:ext cx="8869200" cy="3539430"/>
+            <a:off x="1854218" y="2559013"/>
+            <a:ext cx="8869200" cy="2062103"/>
           </a:xfrm>
           <a:prstGeom prst="rect">
             <a:avLst/>
@@ -5790,7 +5765,7 @@
                 <a:latin typeface="HGS創英角ﾎﾟｯﾌﾟ体" panose="040B0A00000000000000" pitchFamily="50" charset="-128"/>
                 <a:ea typeface="HGS創英角ﾎﾟｯﾌﾟ体" panose="040B0A00000000000000" pitchFamily="50" charset="-128"/>
               </a:rPr>
-              <a:t>ああああああああああああああああ</a:t>
+              <a:t>親子で楽しんでもらえた場面があった</a:t>
             </a:r>
             <a:endParaRPr lang="en-US" altLang="ja-JP" sz="3200" dirty="0" smtClean="0">
               <a:latin typeface="HGS創英角ﾎﾟｯﾌﾟ体" panose="040B0A00000000000000" pitchFamily="50" charset="-128"/>
@@ -5803,7 +5778,7 @@
                 <a:latin typeface="HGS創英角ﾎﾟｯﾌﾟ体" panose="040B0A00000000000000" pitchFamily="50" charset="-128"/>
                 <a:ea typeface="HGS創英角ﾎﾟｯﾌﾟ体" panose="040B0A00000000000000" pitchFamily="50" charset="-128"/>
               </a:rPr>
-              <a:t>ああああああああああああああああああ</a:t>
+              <a:t>制作の進行や、分担がうまくいかなかった</a:t>
             </a:r>
             <a:endParaRPr lang="en-US" altLang="ja-JP" sz="3200" dirty="0" smtClean="0">
               <a:latin typeface="HGS創英角ﾎﾟｯﾌﾟ体" panose="040B0A00000000000000" pitchFamily="50" charset="-128"/>
@@ -5816,7 +5791,7 @@
                 <a:latin typeface="HGS創英角ﾎﾟｯﾌﾟ体" panose="040B0A00000000000000" pitchFamily="50" charset="-128"/>
                 <a:ea typeface="HGS創英角ﾎﾟｯﾌﾟ体" panose="040B0A00000000000000" pitchFamily="50" charset="-128"/>
               </a:rPr>
-              <a:t>ああああああああああああああああああああ</a:t>
+              <a:t>タッチ操作などの子供にもできる媒体</a:t>
             </a:r>
             <a:endParaRPr lang="en-US" altLang="ja-JP" sz="3200" dirty="0" smtClean="0">
               <a:latin typeface="HGS創英角ﾎﾟｯﾌﾟ体" panose="040B0A00000000000000" pitchFamily="50" charset="-128"/>
@@ -5825,18 +5800,19 @@
           </a:p>
           <a:p>
             <a:r>
+              <a:rPr lang="en-US" altLang="ja-JP" sz="3200" dirty="0" smtClean="0">
+                <a:latin typeface="HGS創英角ﾎﾟｯﾌﾟ体" panose="040B0A00000000000000" pitchFamily="50" charset="-128"/>
+                <a:ea typeface="HGS創英角ﾎﾟｯﾌﾟ体" panose="040B0A00000000000000" pitchFamily="50" charset="-128"/>
+              </a:rPr>
+              <a:t>PC</a:t>
+            </a:r>
+            <a:r>
               <a:rPr lang="ja-JP" altLang="en-US" sz="3200" dirty="0" smtClean="0">
                 <a:latin typeface="HGS創英角ﾎﾟｯﾌﾟ体" panose="040B0A00000000000000" pitchFamily="50" charset="-128"/>
                 <a:ea typeface="HGS創英角ﾎﾟｯﾌﾟ体" panose="040B0A00000000000000" pitchFamily="50" charset="-128"/>
               </a:rPr>
-              <a:t>ああああああああああああああああああああああああああああああああああああああああああああ</a:t>
-            </a:r>
-            <a:endParaRPr lang="en-US" altLang="ja-JP" sz="3200" dirty="0" smtClean="0">
-              <a:latin typeface="HGS創英角ﾎﾟｯﾌﾟ体" panose="040B0A00000000000000" pitchFamily="50" charset="-128"/>
-              <a:ea typeface="HGS創英角ﾎﾟｯﾌﾟ体" panose="040B0A00000000000000" pitchFamily="50" charset="-128"/>
-            </a:endParaRPr>
-          </a:p>
-          <a:p>
+              <a:t>によってウインドウのサイズが変わる</a:t>
+            </a:r>
             <a:endParaRPr lang="en-US" altLang="ja-JP" sz="3200" dirty="0" smtClean="0">
               <a:latin typeface="HGS創英角ﾎﾟｯﾌﾟ体" panose="040B0A00000000000000" pitchFamily="50" charset="-128"/>
               <a:ea typeface="HGS創英角ﾎﾟｯﾌﾟ体" panose="040B0A00000000000000" pitchFamily="50" charset="-128"/>
